--- a/presentation/JavaSE103ifswithwhilefor.pptx
+++ b/presentation/JavaSE103ifswithwhilefor.pptx
@@ -3,23 +3,22 @@
 <p:presentation xmlns:a="http://schemas.openxmlformats.org/drawingml/2006/main" xmlns:p="http://schemas.openxmlformats.org/presentationml/2006/main" xmlns:r="http://schemas.openxmlformats.org/officeDocument/2006/relationships" xmlns:p14="http://schemas.microsoft.com/office/powerpoint/2010/main" xmlns:p15="http://schemas.microsoft.com/office/powerpoint/2012/main" xmlns:mc="http://schemas.openxmlformats.org/markup-compatibility/2006">
   <p:sldMasterIdLst>
     <p:sldMasterId id="2147483648" r:id="rId2"/>
-    <p:sldMasterId id="2147483661" r:id="rId3"/>
   </p:sldMasterIdLst>
   <p:sldIdLst>
-    <p:sldId id="256" r:id="rId4"/>
-    <p:sldId id="257" r:id="rId5"/>
-    <p:sldId id="258" r:id="rId6"/>
-    <p:sldId id="259" r:id="rId7"/>
-    <p:sldId id="260" r:id="rId8"/>
-    <p:sldId id="261" r:id="rId9"/>
-    <p:sldId id="262" r:id="rId10"/>
-    <p:sldId id="263" r:id="rId11"/>
-    <p:sldId id="264" r:id="rId12"/>
-    <p:sldId id="265" r:id="rId13"/>
-    <p:sldId id="266" r:id="rId14"/>
-    <p:sldId id="267" r:id="rId15"/>
-    <p:sldId id="268" r:id="rId16"/>
-    <p:sldId id="269" r:id="rId17"/>
+    <p:sldId id="256" r:id="rId3"/>
+    <p:sldId id="257" r:id="rId4"/>
+    <p:sldId id="258" r:id="rId5"/>
+    <p:sldId id="259" r:id="rId6"/>
+    <p:sldId id="260" r:id="rId7"/>
+    <p:sldId id="261" r:id="rId8"/>
+    <p:sldId id="262" r:id="rId9"/>
+    <p:sldId id="263" r:id="rId10"/>
+    <p:sldId id="264" r:id="rId11"/>
+    <p:sldId id="265" r:id="rId12"/>
+    <p:sldId id="266" r:id="rId13"/>
+    <p:sldId id="267" r:id="rId14"/>
+    <p:sldId id="268" r:id="rId15"/>
+    <p:sldId id="269" r:id="rId16"/>
   </p:sldIdLst>
   <p:sldSz cx="9144000" cy="6858000"/>
   <p:notesSz cx="7559675" cy="10691812"/>
@@ -567,557 +566,6 @@
 </p:sldLayout>
 </file>
 
-<file path=ppt/slideLayouts/slideLayout13.xml><?xml version="1.0" encoding="utf-8"?>
-<p:sldLayout xmlns:a="http://schemas.openxmlformats.org/drawingml/2006/main" xmlns:p="http://schemas.openxmlformats.org/presentationml/2006/main" xmlns:r="http://schemas.openxmlformats.org/officeDocument/2006/relationships" xmlns:p14="http://schemas.microsoft.com/office/powerpoint/2010/main" xmlns:p15="http://schemas.microsoft.com/office/powerpoint/2012/main" xmlns:mc="http://schemas.openxmlformats.org/markup-compatibility/2006" type="blank" preserve="1">
-  <p:cSld name="Blank Slide">
-    <p:spTree>
-      <p:nvGrpSpPr>
-        <p:cNvPr id="1" name=""/>
-        <p:cNvGrpSpPr/>
-        <p:nvPr/>
-      </p:nvGrpSpPr>
-      <p:grpSpPr>
-        <a:xfrm>
-          <a:off x="0" y="0"/>
-          <a:ext cx="0" cy="0"/>
-          <a:chOff x="0" y="0"/>
-          <a:chExt cx="0" cy="0"/>
-        </a:xfrm>
-      </p:grpSpPr>
-    </p:spTree>
-  </p:cSld>
-</p:sldLayout>
-</file>
-
-<file path=ppt/slideLayouts/slideLayout14.xml><?xml version="1.0" encoding="utf-8"?>
-<p:sldLayout xmlns:a="http://schemas.openxmlformats.org/drawingml/2006/main" xmlns:p="http://schemas.openxmlformats.org/presentationml/2006/main" xmlns:r="http://schemas.openxmlformats.org/officeDocument/2006/relationships" xmlns:p14="http://schemas.microsoft.com/office/powerpoint/2010/main" xmlns:p15="http://schemas.microsoft.com/office/powerpoint/2012/main" xmlns:mc="http://schemas.openxmlformats.org/markup-compatibility/2006" type="tx" preserve="1">
-  <p:cSld name="Title Slide">
-    <p:spTree>
-      <p:nvGrpSpPr>
-        <p:cNvPr id="1" name=""/>
-        <p:cNvGrpSpPr/>
-        <p:nvPr/>
-      </p:nvGrpSpPr>
-      <p:grpSpPr>
-        <a:xfrm>
-          <a:off x="0" y="0"/>
-          <a:ext cx="0" cy="0"/>
-          <a:chOff x="0" y="0"/>
-          <a:chExt cx="0" cy="0"/>
-        </a:xfrm>
-      </p:grpSpPr>
-      <p:sp>
-        <p:nvSpPr>
-          <p:cNvPr id="40" name="PlaceHolder 1"/>
-          <p:cNvSpPr>
-            <a:spLocks noGrp="1"/>
-          </p:cNvSpPr>
-          <p:nvPr>
-            <p:ph type="title"/>
-          </p:nvPr>
-        </p:nvSpPr>
-        <p:spPr>
-          <a:xfrm>
-            <a:off x="457200" y="273600"/>
-            <a:ext cx="8229240" cy="1144800"/>
-          </a:xfrm>
-          <a:prstGeom prst="rect">
-            <a:avLst/>
-          </a:prstGeom>
-        </p:spPr>
-        <p:txBody>
-          <a:bodyPr lIns="0" rIns="0" tIns="0" bIns="0" anchor="ctr">
-            <a:noAutofit/>
-          </a:bodyPr>
-          <a:p>
-            <a:pPr algn="ctr"/>
-            <a:endParaRPr b="0" lang="ru-RU" sz="4400" spc="-1" strike="noStrike">
-              <a:latin typeface="Arial"/>
-            </a:endParaRPr>
-          </a:p>
-        </p:txBody>
-      </p:sp>
-      <p:sp>
-        <p:nvSpPr>
-          <p:cNvPr id="41" name="PlaceHolder 2"/>
-          <p:cNvSpPr>
-            <a:spLocks noGrp="1"/>
-          </p:cNvSpPr>
-          <p:nvPr>
-            <p:ph type="subTitle"/>
-          </p:nvPr>
-        </p:nvSpPr>
-        <p:spPr>
-          <a:xfrm>
-            <a:off x="457200" y="1604520"/>
-            <a:ext cx="8229240" cy="3977280"/>
-          </a:xfrm>
-          <a:prstGeom prst="rect">
-            <a:avLst/>
-          </a:prstGeom>
-        </p:spPr>
-        <p:txBody>
-          <a:bodyPr lIns="0" rIns="0" tIns="0" bIns="0" anchor="ctr">
-            <a:noAutofit/>
-          </a:bodyPr>
-          <a:p>
-            <a:pPr algn="ctr"/>
-            <a:endParaRPr b="0" lang="ru-RU" sz="3200" spc="-1" strike="noStrike">
-              <a:latin typeface="Arial"/>
-            </a:endParaRPr>
-          </a:p>
-        </p:txBody>
-      </p:sp>
-    </p:spTree>
-  </p:cSld>
-</p:sldLayout>
-</file>
-
-<file path=ppt/slideLayouts/slideLayout15.xml><?xml version="1.0" encoding="utf-8"?>
-<p:sldLayout xmlns:a="http://schemas.openxmlformats.org/drawingml/2006/main" xmlns:p="http://schemas.openxmlformats.org/presentationml/2006/main" xmlns:r="http://schemas.openxmlformats.org/officeDocument/2006/relationships" xmlns:p14="http://schemas.microsoft.com/office/powerpoint/2010/main" xmlns:p15="http://schemas.microsoft.com/office/powerpoint/2012/main" xmlns:mc="http://schemas.openxmlformats.org/markup-compatibility/2006" type="obj" preserve="1">
-  <p:cSld name="Title, Content">
-    <p:spTree>
-      <p:nvGrpSpPr>
-        <p:cNvPr id="1" name=""/>
-        <p:cNvGrpSpPr/>
-        <p:nvPr/>
-      </p:nvGrpSpPr>
-      <p:grpSpPr>
-        <a:xfrm>
-          <a:off x="0" y="0"/>
-          <a:ext cx="0" cy="0"/>
-          <a:chOff x="0" y="0"/>
-          <a:chExt cx="0" cy="0"/>
-        </a:xfrm>
-      </p:grpSpPr>
-      <p:sp>
-        <p:nvSpPr>
-          <p:cNvPr id="42" name="PlaceHolder 1"/>
-          <p:cNvSpPr>
-            <a:spLocks noGrp="1"/>
-          </p:cNvSpPr>
-          <p:nvPr>
-            <p:ph type="title"/>
-          </p:nvPr>
-        </p:nvSpPr>
-        <p:spPr>
-          <a:xfrm>
-            <a:off x="457200" y="273600"/>
-            <a:ext cx="8229240" cy="1144800"/>
-          </a:xfrm>
-          <a:prstGeom prst="rect">
-            <a:avLst/>
-          </a:prstGeom>
-        </p:spPr>
-        <p:txBody>
-          <a:bodyPr lIns="0" rIns="0" tIns="0" bIns="0" anchor="ctr">
-            <a:noAutofit/>
-          </a:bodyPr>
-          <a:p>
-            <a:pPr algn="ctr"/>
-            <a:endParaRPr b="0" lang="ru-RU" sz="4400" spc="-1" strike="noStrike">
-              <a:latin typeface="Arial"/>
-            </a:endParaRPr>
-          </a:p>
-        </p:txBody>
-      </p:sp>
-      <p:sp>
-        <p:nvSpPr>
-          <p:cNvPr id="43" name="PlaceHolder 2"/>
-          <p:cNvSpPr>
-            <a:spLocks noGrp="1"/>
-          </p:cNvSpPr>
-          <p:nvPr>
-            <p:ph type="body"/>
-          </p:nvPr>
-        </p:nvSpPr>
-        <p:spPr>
-          <a:xfrm>
-            <a:off x="457200" y="1604520"/>
-            <a:ext cx="8229240" cy="3977280"/>
-          </a:xfrm>
-          <a:prstGeom prst="rect">
-            <a:avLst/>
-          </a:prstGeom>
-        </p:spPr>
-        <p:txBody>
-          <a:bodyPr lIns="0" rIns="0" tIns="0" bIns="0">
-            <a:normAutofit/>
-          </a:bodyPr>
-          <a:p>
-            <a:endParaRPr b="0" lang="ru-RU" sz="3200" spc="-1" strike="noStrike">
-              <a:latin typeface="Arial"/>
-            </a:endParaRPr>
-          </a:p>
-        </p:txBody>
-      </p:sp>
-    </p:spTree>
-  </p:cSld>
-</p:sldLayout>
-</file>
-
-<file path=ppt/slideLayouts/slideLayout16.xml><?xml version="1.0" encoding="utf-8"?>
-<p:sldLayout xmlns:a="http://schemas.openxmlformats.org/drawingml/2006/main" xmlns:p="http://schemas.openxmlformats.org/presentationml/2006/main" xmlns:r="http://schemas.openxmlformats.org/officeDocument/2006/relationships" xmlns:p14="http://schemas.microsoft.com/office/powerpoint/2010/main" xmlns:p15="http://schemas.microsoft.com/office/powerpoint/2012/main" xmlns:mc="http://schemas.openxmlformats.org/markup-compatibility/2006" type="twoObj" preserve="1">
-  <p:cSld name="Title, 2 Content">
-    <p:spTree>
-      <p:nvGrpSpPr>
-        <p:cNvPr id="1" name=""/>
-        <p:cNvGrpSpPr/>
-        <p:nvPr/>
-      </p:nvGrpSpPr>
-      <p:grpSpPr>
-        <a:xfrm>
-          <a:off x="0" y="0"/>
-          <a:ext cx="0" cy="0"/>
-          <a:chOff x="0" y="0"/>
-          <a:chExt cx="0" cy="0"/>
-        </a:xfrm>
-      </p:grpSpPr>
-      <p:sp>
-        <p:nvSpPr>
-          <p:cNvPr id="44" name="PlaceHolder 1"/>
-          <p:cNvSpPr>
-            <a:spLocks noGrp="1"/>
-          </p:cNvSpPr>
-          <p:nvPr>
-            <p:ph type="title"/>
-          </p:nvPr>
-        </p:nvSpPr>
-        <p:spPr>
-          <a:xfrm>
-            <a:off x="457200" y="273600"/>
-            <a:ext cx="8229240" cy="1144800"/>
-          </a:xfrm>
-          <a:prstGeom prst="rect">
-            <a:avLst/>
-          </a:prstGeom>
-        </p:spPr>
-        <p:txBody>
-          <a:bodyPr lIns="0" rIns="0" tIns="0" bIns="0" anchor="ctr">
-            <a:noAutofit/>
-          </a:bodyPr>
-          <a:p>
-            <a:pPr algn="ctr"/>
-            <a:endParaRPr b="0" lang="ru-RU" sz="4400" spc="-1" strike="noStrike">
-              <a:latin typeface="Arial"/>
-            </a:endParaRPr>
-          </a:p>
-        </p:txBody>
-      </p:sp>
-      <p:sp>
-        <p:nvSpPr>
-          <p:cNvPr id="45" name="PlaceHolder 2"/>
-          <p:cNvSpPr>
-            <a:spLocks noGrp="1"/>
-          </p:cNvSpPr>
-          <p:nvPr>
-            <p:ph type="body"/>
-          </p:nvPr>
-        </p:nvSpPr>
-        <p:spPr>
-          <a:xfrm>
-            <a:off x="457200" y="1604520"/>
-            <a:ext cx="4015800" cy="3977280"/>
-          </a:xfrm>
-          <a:prstGeom prst="rect">
-            <a:avLst/>
-          </a:prstGeom>
-        </p:spPr>
-        <p:txBody>
-          <a:bodyPr lIns="0" rIns="0" tIns="0" bIns="0">
-            <a:normAutofit/>
-          </a:bodyPr>
-          <a:p>
-            <a:endParaRPr b="0" lang="ru-RU" sz="3200" spc="-1" strike="noStrike">
-              <a:latin typeface="Arial"/>
-            </a:endParaRPr>
-          </a:p>
-        </p:txBody>
-      </p:sp>
-      <p:sp>
-        <p:nvSpPr>
-          <p:cNvPr id="46" name="PlaceHolder 3"/>
-          <p:cNvSpPr>
-            <a:spLocks noGrp="1"/>
-          </p:cNvSpPr>
-          <p:nvPr>
-            <p:ph type="body"/>
-          </p:nvPr>
-        </p:nvSpPr>
-        <p:spPr>
-          <a:xfrm>
-            <a:off x="4674240" y="1604520"/>
-            <a:ext cx="4015800" cy="3977280"/>
-          </a:xfrm>
-          <a:prstGeom prst="rect">
-            <a:avLst/>
-          </a:prstGeom>
-        </p:spPr>
-        <p:txBody>
-          <a:bodyPr lIns="0" rIns="0" tIns="0" bIns="0">
-            <a:normAutofit/>
-          </a:bodyPr>
-          <a:p>
-            <a:endParaRPr b="0" lang="ru-RU" sz="3200" spc="-1" strike="noStrike">
-              <a:latin typeface="Arial"/>
-            </a:endParaRPr>
-          </a:p>
-        </p:txBody>
-      </p:sp>
-    </p:spTree>
-  </p:cSld>
-</p:sldLayout>
-</file>
-
-<file path=ppt/slideLayouts/slideLayout17.xml><?xml version="1.0" encoding="utf-8"?>
-<p:sldLayout xmlns:a="http://schemas.openxmlformats.org/drawingml/2006/main" xmlns:p="http://schemas.openxmlformats.org/presentationml/2006/main" xmlns:r="http://schemas.openxmlformats.org/officeDocument/2006/relationships" xmlns:p14="http://schemas.microsoft.com/office/powerpoint/2010/main" xmlns:p15="http://schemas.microsoft.com/office/powerpoint/2012/main" xmlns:mc="http://schemas.openxmlformats.org/markup-compatibility/2006" type="titleOnly" preserve="1">
-  <p:cSld name="Title Only">
-    <p:spTree>
-      <p:nvGrpSpPr>
-        <p:cNvPr id="1" name=""/>
-        <p:cNvGrpSpPr/>
-        <p:nvPr/>
-      </p:nvGrpSpPr>
-      <p:grpSpPr>
-        <a:xfrm>
-          <a:off x="0" y="0"/>
-          <a:ext cx="0" cy="0"/>
-          <a:chOff x="0" y="0"/>
-          <a:chExt cx="0" cy="0"/>
-        </a:xfrm>
-      </p:grpSpPr>
-      <p:sp>
-        <p:nvSpPr>
-          <p:cNvPr id="47" name="PlaceHolder 1"/>
-          <p:cNvSpPr>
-            <a:spLocks noGrp="1"/>
-          </p:cNvSpPr>
-          <p:nvPr>
-            <p:ph type="title"/>
-          </p:nvPr>
-        </p:nvSpPr>
-        <p:spPr>
-          <a:xfrm>
-            <a:off x="457200" y="273600"/>
-            <a:ext cx="8229240" cy="1144800"/>
-          </a:xfrm>
-          <a:prstGeom prst="rect">
-            <a:avLst/>
-          </a:prstGeom>
-        </p:spPr>
-        <p:txBody>
-          <a:bodyPr lIns="0" rIns="0" tIns="0" bIns="0" anchor="ctr">
-            <a:noAutofit/>
-          </a:bodyPr>
-          <a:p>
-            <a:pPr algn="ctr"/>
-            <a:endParaRPr b="0" lang="ru-RU" sz="4400" spc="-1" strike="noStrike">
-              <a:latin typeface="Arial"/>
-            </a:endParaRPr>
-          </a:p>
-        </p:txBody>
-      </p:sp>
-    </p:spTree>
-  </p:cSld>
-</p:sldLayout>
-</file>
-
-<file path=ppt/slideLayouts/slideLayout18.xml><?xml version="1.0" encoding="utf-8"?>
-<p:sldLayout xmlns:a="http://schemas.openxmlformats.org/drawingml/2006/main" xmlns:p="http://schemas.openxmlformats.org/presentationml/2006/main" xmlns:r="http://schemas.openxmlformats.org/officeDocument/2006/relationships" xmlns:p14="http://schemas.microsoft.com/office/powerpoint/2010/main" xmlns:p15="http://schemas.microsoft.com/office/powerpoint/2012/main" xmlns:mc="http://schemas.openxmlformats.org/markup-compatibility/2006" type="objOnly" preserve="1">
-  <p:cSld name="Centered Text">
-    <p:spTree>
-      <p:nvGrpSpPr>
-        <p:cNvPr id="1" name=""/>
-        <p:cNvGrpSpPr/>
-        <p:nvPr/>
-      </p:nvGrpSpPr>
-      <p:grpSpPr>
-        <a:xfrm>
-          <a:off x="0" y="0"/>
-          <a:ext cx="0" cy="0"/>
-          <a:chOff x="0" y="0"/>
-          <a:chExt cx="0" cy="0"/>
-        </a:xfrm>
-      </p:grpSpPr>
-      <p:sp>
-        <p:nvSpPr>
-          <p:cNvPr id="48" name="PlaceHolder 1"/>
-          <p:cNvSpPr>
-            <a:spLocks noGrp="1"/>
-          </p:cNvSpPr>
-          <p:nvPr>
-            <p:ph type="subTitle"/>
-          </p:nvPr>
-        </p:nvSpPr>
-        <p:spPr>
-          <a:xfrm>
-            <a:off x="457200" y="273600"/>
-            <a:ext cx="8229240" cy="5307840"/>
-          </a:xfrm>
-          <a:prstGeom prst="rect">
-            <a:avLst/>
-          </a:prstGeom>
-        </p:spPr>
-        <p:txBody>
-          <a:bodyPr lIns="0" rIns="0" tIns="0" bIns="0" anchor="ctr">
-            <a:noAutofit/>
-          </a:bodyPr>
-          <a:p>
-            <a:pPr algn="ctr"/>
-            <a:endParaRPr b="0" lang="ru-RU" sz="3200" spc="-1" strike="noStrike">
-              <a:latin typeface="Arial"/>
-            </a:endParaRPr>
-          </a:p>
-        </p:txBody>
-      </p:sp>
-    </p:spTree>
-  </p:cSld>
-</p:sldLayout>
-</file>
-
-<file path=ppt/slideLayouts/slideLayout19.xml><?xml version="1.0" encoding="utf-8"?>
-<p:sldLayout xmlns:a="http://schemas.openxmlformats.org/drawingml/2006/main" xmlns:p="http://schemas.openxmlformats.org/presentationml/2006/main" xmlns:r="http://schemas.openxmlformats.org/officeDocument/2006/relationships" xmlns:p14="http://schemas.microsoft.com/office/powerpoint/2010/main" xmlns:p15="http://schemas.microsoft.com/office/powerpoint/2012/main" xmlns:mc="http://schemas.openxmlformats.org/markup-compatibility/2006" type="twoObjAndObj" preserve="1">
-  <p:cSld name="Title, 2 Content and Content">
-    <p:spTree>
-      <p:nvGrpSpPr>
-        <p:cNvPr id="1" name=""/>
-        <p:cNvGrpSpPr/>
-        <p:nvPr/>
-      </p:nvGrpSpPr>
-      <p:grpSpPr>
-        <a:xfrm>
-          <a:off x="0" y="0"/>
-          <a:ext cx="0" cy="0"/>
-          <a:chOff x="0" y="0"/>
-          <a:chExt cx="0" cy="0"/>
-        </a:xfrm>
-      </p:grpSpPr>
-      <p:sp>
-        <p:nvSpPr>
-          <p:cNvPr id="49" name="PlaceHolder 1"/>
-          <p:cNvSpPr>
-            <a:spLocks noGrp="1"/>
-          </p:cNvSpPr>
-          <p:nvPr>
-            <p:ph type="title"/>
-          </p:nvPr>
-        </p:nvSpPr>
-        <p:spPr>
-          <a:xfrm>
-            <a:off x="457200" y="273600"/>
-            <a:ext cx="8229240" cy="1144800"/>
-          </a:xfrm>
-          <a:prstGeom prst="rect">
-            <a:avLst/>
-          </a:prstGeom>
-        </p:spPr>
-        <p:txBody>
-          <a:bodyPr lIns="0" rIns="0" tIns="0" bIns="0" anchor="ctr">
-            <a:noAutofit/>
-          </a:bodyPr>
-          <a:p>
-            <a:pPr algn="ctr"/>
-            <a:endParaRPr b="0" lang="ru-RU" sz="4400" spc="-1" strike="noStrike">
-              <a:latin typeface="Arial"/>
-            </a:endParaRPr>
-          </a:p>
-        </p:txBody>
-      </p:sp>
-      <p:sp>
-        <p:nvSpPr>
-          <p:cNvPr id="50" name="PlaceHolder 2"/>
-          <p:cNvSpPr>
-            <a:spLocks noGrp="1"/>
-          </p:cNvSpPr>
-          <p:nvPr>
-            <p:ph type="body"/>
-          </p:nvPr>
-        </p:nvSpPr>
-        <p:spPr>
-          <a:xfrm>
-            <a:off x="457200" y="1604520"/>
-            <a:ext cx="4015800" cy="1896840"/>
-          </a:xfrm>
-          <a:prstGeom prst="rect">
-            <a:avLst/>
-          </a:prstGeom>
-        </p:spPr>
-        <p:txBody>
-          <a:bodyPr lIns="0" rIns="0" tIns="0" bIns="0">
-            <a:normAutofit/>
-          </a:bodyPr>
-          <a:p>
-            <a:endParaRPr b="0" lang="ru-RU" sz="3200" spc="-1" strike="noStrike">
-              <a:latin typeface="Arial"/>
-            </a:endParaRPr>
-          </a:p>
-        </p:txBody>
-      </p:sp>
-      <p:sp>
-        <p:nvSpPr>
-          <p:cNvPr id="51" name="PlaceHolder 3"/>
-          <p:cNvSpPr>
-            <a:spLocks noGrp="1"/>
-          </p:cNvSpPr>
-          <p:nvPr>
-            <p:ph type="body"/>
-          </p:nvPr>
-        </p:nvSpPr>
-        <p:spPr>
-          <a:xfrm>
-            <a:off x="4674240" y="1604520"/>
-            <a:ext cx="4015800" cy="3977280"/>
-          </a:xfrm>
-          <a:prstGeom prst="rect">
-            <a:avLst/>
-          </a:prstGeom>
-        </p:spPr>
-        <p:txBody>
-          <a:bodyPr lIns="0" rIns="0" tIns="0" bIns="0">
-            <a:normAutofit/>
-          </a:bodyPr>
-          <a:p>
-            <a:endParaRPr b="0" lang="ru-RU" sz="3200" spc="-1" strike="noStrike">
-              <a:latin typeface="Arial"/>
-            </a:endParaRPr>
-          </a:p>
-        </p:txBody>
-      </p:sp>
-      <p:sp>
-        <p:nvSpPr>
-          <p:cNvPr id="52" name="PlaceHolder 4"/>
-          <p:cNvSpPr>
-            <a:spLocks noGrp="1"/>
-          </p:cNvSpPr>
-          <p:nvPr>
-            <p:ph type="body"/>
-          </p:nvPr>
-        </p:nvSpPr>
-        <p:spPr>
-          <a:xfrm>
-            <a:off x="457200" y="3682080"/>
-            <a:ext cx="4015800" cy="1896840"/>
-          </a:xfrm>
-          <a:prstGeom prst="rect">
-            <a:avLst/>
-          </a:prstGeom>
-        </p:spPr>
-        <p:txBody>
-          <a:bodyPr lIns="0" rIns="0" tIns="0" bIns="0">
-            <a:normAutofit/>
-          </a:bodyPr>
-          <a:p>
-            <a:endParaRPr b="0" lang="ru-RU" sz="3200" spc="-1" strike="noStrike">
-              <a:latin typeface="Arial"/>
-            </a:endParaRPr>
-          </a:p>
-        </p:txBody>
-      </p:sp>
-    </p:spTree>
-  </p:cSld>
-</p:sldLayout>
-</file>
-
 <file path=ppt/slideLayouts/slideLayout2.xml><?xml version="1.0" encoding="utf-8"?>
 <p:sldLayout xmlns:a="http://schemas.openxmlformats.org/drawingml/2006/main" xmlns:p="http://schemas.openxmlformats.org/presentationml/2006/main" xmlns:r="http://schemas.openxmlformats.org/officeDocument/2006/relationships" xmlns:p14="http://schemas.microsoft.com/office/powerpoint/2010/main" xmlns:p15="http://schemas.microsoft.com/office/powerpoint/2012/main" xmlns:mc="http://schemas.openxmlformats.org/markup-compatibility/2006" type="tx" preserve="1">
   <p:cSld name="Title Slide">
@@ -1191,811 +639,6 @@
           </a:bodyPr>
           <a:p>
             <a:pPr algn="ctr"/>
-            <a:endParaRPr b="0" lang="ru-RU" sz="3200" spc="-1" strike="noStrike">
-              <a:latin typeface="Arial"/>
-            </a:endParaRPr>
-          </a:p>
-        </p:txBody>
-      </p:sp>
-    </p:spTree>
-  </p:cSld>
-</p:sldLayout>
-</file>
-
-<file path=ppt/slideLayouts/slideLayout20.xml><?xml version="1.0" encoding="utf-8"?>
-<p:sldLayout xmlns:a="http://schemas.openxmlformats.org/drawingml/2006/main" xmlns:p="http://schemas.openxmlformats.org/presentationml/2006/main" xmlns:r="http://schemas.openxmlformats.org/officeDocument/2006/relationships" xmlns:p14="http://schemas.microsoft.com/office/powerpoint/2010/main" xmlns:p15="http://schemas.microsoft.com/office/powerpoint/2012/main" xmlns:mc="http://schemas.openxmlformats.org/markup-compatibility/2006" type="objAndTwoObj" preserve="1">
-  <p:cSld name="Title Content and 2 Content">
-    <p:spTree>
-      <p:nvGrpSpPr>
-        <p:cNvPr id="1" name=""/>
-        <p:cNvGrpSpPr/>
-        <p:nvPr/>
-      </p:nvGrpSpPr>
-      <p:grpSpPr>
-        <a:xfrm>
-          <a:off x="0" y="0"/>
-          <a:ext cx="0" cy="0"/>
-          <a:chOff x="0" y="0"/>
-          <a:chExt cx="0" cy="0"/>
-        </a:xfrm>
-      </p:grpSpPr>
-      <p:sp>
-        <p:nvSpPr>
-          <p:cNvPr id="53" name="PlaceHolder 1"/>
-          <p:cNvSpPr>
-            <a:spLocks noGrp="1"/>
-          </p:cNvSpPr>
-          <p:nvPr>
-            <p:ph type="title"/>
-          </p:nvPr>
-        </p:nvSpPr>
-        <p:spPr>
-          <a:xfrm>
-            <a:off x="457200" y="273600"/>
-            <a:ext cx="8229240" cy="1144800"/>
-          </a:xfrm>
-          <a:prstGeom prst="rect">
-            <a:avLst/>
-          </a:prstGeom>
-        </p:spPr>
-        <p:txBody>
-          <a:bodyPr lIns="0" rIns="0" tIns="0" bIns="0" anchor="ctr">
-            <a:noAutofit/>
-          </a:bodyPr>
-          <a:p>
-            <a:pPr algn="ctr"/>
-            <a:endParaRPr b="0" lang="ru-RU" sz="4400" spc="-1" strike="noStrike">
-              <a:latin typeface="Arial"/>
-            </a:endParaRPr>
-          </a:p>
-        </p:txBody>
-      </p:sp>
-      <p:sp>
-        <p:nvSpPr>
-          <p:cNvPr id="54" name="PlaceHolder 2"/>
-          <p:cNvSpPr>
-            <a:spLocks noGrp="1"/>
-          </p:cNvSpPr>
-          <p:nvPr>
-            <p:ph type="body"/>
-          </p:nvPr>
-        </p:nvSpPr>
-        <p:spPr>
-          <a:xfrm>
-            <a:off x="457200" y="1604520"/>
-            <a:ext cx="4015800" cy="3977280"/>
-          </a:xfrm>
-          <a:prstGeom prst="rect">
-            <a:avLst/>
-          </a:prstGeom>
-        </p:spPr>
-        <p:txBody>
-          <a:bodyPr lIns="0" rIns="0" tIns="0" bIns="0">
-            <a:normAutofit/>
-          </a:bodyPr>
-          <a:p>
-            <a:endParaRPr b="0" lang="ru-RU" sz="3200" spc="-1" strike="noStrike">
-              <a:latin typeface="Arial"/>
-            </a:endParaRPr>
-          </a:p>
-        </p:txBody>
-      </p:sp>
-      <p:sp>
-        <p:nvSpPr>
-          <p:cNvPr id="55" name="PlaceHolder 3"/>
-          <p:cNvSpPr>
-            <a:spLocks noGrp="1"/>
-          </p:cNvSpPr>
-          <p:nvPr>
-            <p:ph type="body"/>
-          </p:nvPr>
-        </p:nvSpPr>
-        <p:spPr>
-          <a:xfrm>
-            <a:off x="4674240" y="1604520"/>
-            <a:ext cx="4015800" cy="1896840"/>
-          </a:xfrm>
-          <a:prstGeom prst="rect">
-            <a:avLst/>
-          </a:prstGeom>
-        </p:spPr>
-        <p:txBody>
-          <a:bodyPr lIns="0" rIns="0" tIns="0" bIns="0">
-            <a:normAutofit/>
-          </a:bodyPr>
-          <a:p>
-            <a:endParaRPr b="0" lang="ru-RU" sz="3200" spc="-1" strike="noStrike">
-              <a:latin typeface="Arial"/>
-            </a:endParaRPr>
-          </a:p>
-        </p:txBody>
-      </p:sp>
-      <p:sp>
-        <p:nvSpPr>
-          <p:cNvPr id="56" name="PlaceHolder 4"/>
-          <p:cNvSpPr>
-            <a:spLocks noGrp="1"/>
-          </p:cNvSpPr>
-          <p:nvPr>
-            <p:ph type="body"/>
-          </p:nvPr>
-        </p:nvSpPr>
-        <p:spPr>
-          <a:xfrm>
-            <a:off x="4674240" y="3682080"/>
-            <a:ext cx="4015800" cy="1896840"/>
-          </a:xfrm>
-          <a:prstGeom prst="rect">
-            <a:avLst/>
-          </a:prstGeom>
-        </p:spPr>
-        <p:txBody>
-          <a:bodyPr lIns="0" rIns="0" tIns="0" bIns="0">
-            <a:normAutofit/>
-          </a:bodyPr>
-          <a:p>
-            <a:endParaRPr b="0" lang="ru-RU" sz="3200" spc="-1" strike="noStrike">
-              <a:latin typeface="Arial"/>
-            </a:endParaRPr>
-          </a:p>
-        </p:txBody>
-      </p:sp>
-    </p:spTree>
-  </p:cSld>
-</p:sldLayout>
-</file>
-
-<file path=ppt/slideLayouts/slideLayout21.xml><?xml version="1.0" encoding="utf-8"?>
-<p:sldLayout xmlns:a="http://schemas.openxmlformats.org/drawingml/2006/main" xmlns:p="http://schemas.openxmlformats.org/presentationml/2006/main" xmlns:r="http://schemas.openxmlformats.org/officeDocument/2006/relationships" xmlns:p14="http://schemas.microsoft.com/office/powerpoint/2010/main" xmlns:p15="http://schemas.microsoft.com/office/powerpoint/2012/main" xmlns:mc="http://schemas.openxmlformats.org/markup-compatibility/2006" type="twoObjOverTx" preserve="1">
-  <p:cSld name="Title, 2 Content over Content">
-    <p:spTree>
-      <p:nvGrpSpPr>
-        <p:cNvPr id="1" name=""/>
-        <p:cNvGrpSpPr/>
-        <p:nvPr/>
-      </p:nvGrpSpPr>
-      <p:grpSpPr>
-        <a:xfrm>
-          <a:off x="0" y="0"/>
-          <a:ext cx="0" cy="0"/>
-          <a:chOff x="0" y="0"/>
-          <a:chExt cx="0" cy="0"/>
-        </a:xfrm>
-      </p:grpSpPr>
-      <p:sp>
-        <p:nvSpPr>
-          <p:cNvPr id="57" name="PlaceHolder 1"/>
-          <p:cNvSpPr>
-            <a:spLocks noGrp="1"/>
-          </p:cNvSpPr>
-          <p:nvPr>
-            <p:ph type="title"/>
-          </p:nvPr>
-        </p:nvSpPr>
-        <p:spPr>
-          <a:xfrm>
-            <a:off x="457200" y="273600"/>
-            <a:ext cx="8229240" cy="1144800"/>
-          </a:xfrm>
-          <a:prstGeom prst="rect">
-            <a:avLst/>
-          </a:prstGeom>
-        </p:spPr>
-        <p:txBody>
-          <a:bodyPr lIns="0" rIns="0" tIns="0" bIns="0" anchor="ctr">
-            <a:noAutofit/>
-          </a:bodyPr>
-          <a:p>
-            <a:pPr algn="ctr"/>
-            <a:endParaRPr b="0" lang="ru-RU" sz="4400" spc="-1" strike="noStrike">
-              <a:latin typeface="Arial"/>
-            </a:endParaRPr>
-          </a:p>
-        </p:txBody>
-      </p:sp>
-      <p:sp>
-        <p:nvSpPr>
-          <p:cNvPr id="58" name="PlaceHolder 2"/>
-          <p:cNvSpPr>
-            <a:spLocks noGrp="1"/>
-          </p:cNvSpPr>
-          <p:nvPr>
-            <p:ph type="body"/>
-          </p:nvPr>
-        </p:nvSpPr>
-        <p:spPr>
-          <a:xfrm>
-            <a:off x="457200" y="1604520"/>
-            <a:ext cx="4015800" cy="1896840"/>
-          </a:xfrm>
-          <a:prstGeom prst="rect">
-            <a:avLst/>
-          </a:prstGeom>
-        </p:spPr>
-        <p:txBody>
-          <a:bodyPr lIns="0" rIns="0" tIns="0" bIns="0">
-            <a:normAutofit/>
-          </a:bodyPr>
-          <a:p>
-            <a:endParaRPr b="0" lang="ru-RU" sz="3200" spc="-1" strike="noStrike">
-              <a:latin typeface="Arial"/>
-            </a:endParaRPr>
-          </a:p>
-        </p:txBody>
-      </p:sp>
-      <p:sp>
-        <p:nvSpPr>
-          <p:cNvPr id="59" name="PlaceHolder 3"/>
-          <p:cNvSpPr>
-            <a:spLocks noGrp="1"/>
-          </p:cNvSpPr>
-          <p:nvPr>
-            <p:ph type="body"/>
-          </p:nvPr>
-        </p:nvSpPr>
-        <p:spPr>
-          <a:xfrm>
-            <a:off x="4674240" y="1604520"/>
-            <a:ext cx="4015800" cy="1896840"/>
-          </a:xfrm>
-          <a:prstGeom prst="rect">
-            <a:avLst/>
-          </a:prstGeom>
-        </p:spPr>
-        <p:txBody>
-          <a:bodyPr lIns="0" rIns="0" tIns="0" bIns="0">
-            <a:normAutofit/>
-          </a:bodyPr>
-          <a:p>
-            <a:endParaRPr b="0" lang="ru-RU" sz="3200" spc="-1" strike="noStrike">
-              <a:latin typeface="Arial"/>
-            </a:endParaRPr>
-          </a:p>
-        </p:txBody>
-      </p:sp>
-      <p:sp>
-        <p:nvSpPr>
-          <p:cNvPr id="60" name="PlaceHolder 4"/>
-          <p:cNvSpPr>
-            <a:spLocks noGrp="1"/>
-          </p:cNvSpPr>
-          <p:nvPr>
-            <p:ph type="body"/>
-          </p:nvPr>
-        </p:nvSpPr>
-        <p:spPr>
-          <a:xfrm>
-            <a:off x="457200" y="3682080"/>
-            <a:ext cx="8229240" cy="1896840"/>
-          </a:xfrm>
-          <a:prstGeom prst="rect">
-            <a:avLst/>
-          </a:prstGeom>
-        </p:spPr>
-        <p:txBody>
-          <a:bodyPr lIns="0" rIns="0" tIns="0" bIns="0">
-            <a:normAutofit/>
-          </a:bodyPr>
-          <a:p>
-            <a:endParaRPr b="0" lang="ru-RU" sz="3200" spc="-1" strike="noStrike">
-              <a:latin typeface="Arial"/>
-            </a:endParaRPr>
-          </a:p>
-        </p:txBody>
-      </p:sp>
-    </p:spTree>
-  </p:cSld>
-</p:sldLayout>
-</file>
-
-<file path=ppt/slideLayouts/slideLayout22.xml><?xml version="1.0" encoding="utf-8"?>
-<p:sldLayout xmlns:a="http://schemas.openxmlformats.org/drawingml/2006/main" xmlns:p="http://schemas.openxmlformats.org/presentationml/2006/main" xmlns:r="http://schemas.openxmlformats.org/officeDocument/2006/relationships" xmlns:p14="http://schemas.microsoft.com/office/powerpoint/2010/main" xmlns:p15="http://schemas.microsoft.com/office/powerpoint/2012/main" xmlns:mc="http://schemas.openxmlformats.org/markup-compatibility/2006" type="objOverTx" preserve="1">
-  <p:cSld name="Title, Content over Content">
-    <p:spTree>
-      <p:nvGrpSpPr>
-        <p:cNvPr id="1" name=""/>
-        <p:cNvGrpSpPr/>
-        <p:nvPr/>
-      </p:nvGrpSpPr>
-      <p:grpSpPr>
-        <a:xfrm>
-          <a:off x="0" y="0"/>
-          <a:ext cx="0" cy="0"/>
-          <a:chOff x="0" y="0"/>
-          <a:chExt cx="0" cy="0"/>
-        </a:xfrm>
-      </p:grpSpPr>
-      <p:sp>
-        <p:nvSpPr>
-          <p:cNvPr id="61" name="PlaceHolder 1"/>
-          <p:cNvSpPr>
-            <a:spLocks noGrp="1"/>
-          </p:cNvSpPr>
-          <p:nvPr>
-            <p:ph type="title"/>
-          </p:nvPr>
-        </p:nvSpPr>
-        <p:spPr>
-          <a:xfrm>
-            <a:off x="457200" y="273600"/>
-            <a:ext cx="8229240" cy="1144800"/>
-          </a:xfrm>
-          <a:prstGeom prst="rect">
-            <a:avLst/>
-          </a:prstGeom>
-        </p:spPr>
-        <p:txBody>
-          <a:bodyPr lIns="0" rIns="0" tIns="0" bIns="0" anchor="ctr">
-            <a:noAutofit/>
-          </a:bodyPr>
-          <a:p>
-            <a:pPr algn="ctr"/>
-            <a:endParaRPr b="0" lang="ru-RU" sz="4400" spc="-1" strike="noStrike">
-              <a:latin typeface="Arial"/>
-            </a:endParaRPr>
-          </a:p>
-        </p:txBody>
-      </p:sp>
-      <p:sp>
-        <p:nvSpPr>
-          <p:cNvPr id="62" name="PlaceHolder 2"/>
-          <p:cNvSpPr>
-            <a:spLocks noGrp="1"/>
-          </p:cNvSpPr>
-          <p:nvPr>
-            <p:ph type="body"/>
-          </p:nvPr>
-        </p:nvSpPr>
-        <p:spPr>
-          <a:xfrm>
-            <a:off x="457200" y="1604520"/>
-            <a:ext cx="8229240" cy="1896840"/>
-          </a:xfrm>
-          <a:prstGeom prst="rect">
-            <a:avLst/>
-          </a:prstGeom>
-        </p:spPr>
-        <p:txBody>
-          <a:bodyPr lIns="0" rIns="0" tIns="0" bIns="0">
-            <a:normAutofit/>
-          </a:bodyPr>
-          <a:p>
-            <a:endParaRPr b="0" lang="ru-RU" sz="3200" spc="-1" strike="noStrike">
-              <a:latin typeface="Arial"/>
-            </a:endParaRPr>
-          </a:p>
-        </p:txBody>
-      </p:sp>
-      <p:sp>
-        <p:nvSpPr>
-          <p:cNvPr id="63" name="PlaceHolder 3"/>
-          <p:cNvSpPr>
-            <a:spLocks noGrp="1"/>
-          </p:cNvSpPr>
-          <p:nvPr>
-            <p:ph type="body"/>
-          </p:nvPr>
-        </p:nvSpPr>
-        <p:spPr>
-          <a:xfrm>
-            <a:off x="457200" y="3682080"/>
-            <a:ext cx="8229240" cy="1896840"/>
-          </a:xfrm>
-          <a:prstGeom prst="rect">
-            <a:avLst/>
-          </a:prstGeom>
-        </p:spPr>
-        <p:txBody>
-          <a:bodyPr lIns="0" rIns="0" tIns="0" bIns="0">
-            <a:normAutofit/>
-          </a:bodyPr>
-          <a:p>
-            <a:endParaRPr b="0" lang="ru-RU" sz="3200" spc="-1" strike="noStrike">
-              <a:latin typeface="Arial"/>
-            </a:endParaRPr>
-          </a:p>
-        </p:txBody>
-      </p:sp>
-    </p:spTree>
-  </p:cSld>
-</p:sldLayout>
-</file>
-
-<file path=ppt/slideLayouts/slideLayout23.xml><?xml version="1.0" encoding="utf-8"?>
-<p:sldLayout xmlns:a="http://schemas.openxmlformats.org/drawingml/2006/main" xmlns:p="http://schemas.openxmlformats.org/presentationml/2006/main" xmlns:r="http://schemas.openxmlformats.org/officeDocument/2006/relationships" xmlns:p14="http://schemas.microsoft.com/office/powerpoint/2010/main" xmlns:p15="http://schemas.microsoft.com/office/powerpoint/2012/main" xmlns:mc="http://schemas.openxmlformats.org/markup-compatibility/2006" type="fourObj" preserve="1">
-  <p:cSld name="Title, 4 Content">
-    <p:spTree>
-      <p:nvGrpSpPr>
-        <p:cNvPr id="1" name=""/>
-        <p:cNvGrpSpPr/>
-        <p:nvPr/>
-      </p:nvGrpSpPr>
-      <p:grpSpPr>
-        <a:xfrm>
-          <a:off x="0" y="0"/>
-          <a:ext cx="0" cy="0"/>
-          <a:chOff x="0" y="0"/>
-          <a:chExt cx="0" cy="0"/>
-        </a:xfrm>
-      </p:grpSpPr>
-      <p:sp>
-        <p:nvSpPr>
-          <p:cNvPr id="64" name="PlaceHolder 1"/>
-          <p:cNvSpPr>
-            <a:spLocks noGrp="1"/>
-          </p:cNvSpPr>
-          <p:nvPr>
-            <p:ph type="title"/>
-          </p:nvPr>
-        </p:nvSpPr>
-        <p:spPr>
-          <a:xfrm>
-            <a:off x="457200" y="273600"/>
-            <a:ext cx="8229240" cy="1144800"/>
-          </a:xfrm>
-          <a:prstGeom prst="rect">
-            <a:avLst/>
-          </a:prstGeom>
-        </p:spPr>
-        <p:txBody>
-          <a:bodyPr lIns="0" rIns="0" tIns="0" bIns="0" anchor="ctr">
-            <a:noAutofit/>
-          </a:bodyPr>
-          <a:p>
-            <a:pPr algn="ctr"/>
-            <a:endParaRPr b="0" lang="ru-RU" sz="4400" spc="-1" strike="noStrike">
-              <a:latin typeface="Arial"/>
-            </a:endParaRPr>
-          </a:p>
-        </p:txBody>
-      </p:sp>
-      <p:sp>
-        <p:nvSpPr>
-          <p:cNvPr id="65" name="PlaceHolder 2"/>
-          <p:cNvSpPr>
-            <a:spLocks noGrp="1"/>
-          </p:cNvSpPr>
-          <p:nvPr>
-            <p:ph type="body"/>
-          </p:nvPr>
-        </p:nvSpPr>
-        <p:spPr>
-          <a:xfrm>
-            <a:off x="457200" y="1604520"/>
-            <a:ext cx="4015800" cy="1896840"/>
-          </a:xfrm>
-          <a:prstGeom prst="rect">
-            <a:avLst/>
-          </a:prstGeom>
-        </p:spPr>
-        <p:txBody>
-          <a:bodyPr lIns="0" rIns="0" tIns="0" bIns="0">
-            <a:normAutofit/>
-          </a:bodyPr>
-          <a:p>
-            <a:endParaRPr b="0" lang="ru-RU" sz="3200" spc="-1" strike="noStrike">
-              <a:latin typeface="Arial"/>
-            </a:endParaRPr>
-          </a:p>
-        </p:txBody>
-      </p:sp>
-      <p:sp>
-        <p:nvSpPr>
-          <p:cNvPr id="66" name="PlaceHolder 3"/>
-          <p:cNvSpPr>
-            <a:spLocks noGrp="1"/>
-          </p:cNvSpPr>
-          <p:nvPr>
-            <p:ph type="body"/>
-          </p:nvPr>
-        </p:nvSpPr>
-        <p:spPr>
-          <a:xfrm>
-            <a:off x="4674240" y="1604520"/>
-            <a:ext cx="4015800" cy="1896840"/>
-          </a:xfrm>
-          <a:prstGeom prst="rect">
-            <a:avLst/>
-          </a:prstGeom>
-        </p:spPr>
-        <p:txBody>
-          <a:bodyPr lIns="0" rIns="0" tIns="0" bIns="0">
-            <a:normAutofit/>
-          </a:bodyPr>
-          <a:p>
-            <a:endParaRPr b="0" lang="ru-RU" sz="3200" spc="-1" strike="noStrike">
-              <a:latin typeface="Arial"/>
-            </a:endParaRPr>
-          </a:p>
-        </p:txBody>
-      </p:sp>
-      <p:sp>
-        <p:nvSpPr>
-          <p:cNvPr id="67" name="PlaceHolder 4"/>
-          <p:cNvSpPr>
-            <a:spLocks noGrp="1"/>
-          </p:cNvSpPr>
-          <p:nvPr>
-            <p:ph type="body"/>
-          </p:nvPr>
-        </p:nvSpPr>
-        <p:spPr>
-          <a:xfrm>
-            <a:off x="457200" y="3682080"/>
-            <a:ext cx="4015800" cy="1896840"/>
-          </a:xfrm>
-          <a:prstGeom prst="rect">
-            <a:avLst/>
-          </a:prstGeom>
-        </p:spPr>
-        <p:txBody>
-          <a:bodyPr lIns="0" rIns="0" tIns="0" bIns="0">
-            <a:normAutofit/>
-          </a:bodyPr>
-          <a:p>
-            <a:endParaRPr b="0" lang="ru-RU" sz="3200" spc="-1" strike="noStrike">
-              <a:latin typeface="Arial"/>
-            </a:endParaRPr>
-          </a:p>
-        </p:txBody>
-      </p:sp>
-      <p:sp>
-        <p:nvSpPr>
-          <p:cNvPr id="68" name="PlaceHolder 5"/>
-          <p:cNvSpPr>
-            <a:spLocks noGrp="1"/>
-          </p:cNvSpPr>
-          <p:nvPr>
-            <p:ph type="body"/>
-          </p:nvPr>
-        </p:nvSpPr>
-        <p:spPr>
-          <a:xfrm>
-            <a:off x="4674240" y="3682080"/>
-            <a:ext cx="4015800" cy="1896840"/>
-          </a:xfrm>
-          <a:prstGeom prst="rect">
-            <a:avLst/>
-          </a:prstGeom>
-        </p:spPr>
-        <p:txBody>
-          <a:bodyPr lIns="0" rIns="0" tIns="0" bIns="0">
-            <a:normAutofit/>
-          </a:bodyPr>
-          <a:p>
-            <a:endParaRPr b="0" lang="ru-RU" sz="3200" spc="-1" strike="noStrike">
-              <a:latin typeface="Arial"/>
-            </a:endParaRPr>
-          </a:p>
-        </p:txBody>
-      </p:sp>
-    </p:spTree>
-  </p:cSld>
-</p:sldLayout>
-</file>
-
-<file path=ppt/slideLayouts/slideLayout24.xml><?xml version="1.0" encoding="utf-8"?>
-<p:sldLayout xmlns:a="http://schemas.openxmlformats.org/drawingml/2006/main" xmlns:p="http://schemas.openxmlformats.org/presentationml/2006/main" xmlns:r="http://schemas.openxmlformats.org/officeDocument/2006/relationships" xmlns:p14="http://schemas.microsoft.com/office/powerpoint/2010/main" xmlns:p15="http://schemas.microsoft.com/office/powerpoint/2012/main" xmlns:mc="http://schemas.openxmlformats.org/markup-compatibility/2006" type="blank" preserve="1">
-  <p:cSld name="Title, 6 Content">
-    <p:spTree>
-      <p:nvGrpSpPr>
-        <p:cNvPr id="1" name=""/>
-        <p:cNvGrpSpPr/>
-        <p:nvPr/>
-      </p:nvGrpSpPr>
-      <p:grpSpPr>
-        <a:xfrm>
-          <a:off x="0" y="0"/>
-          <a:ext cx="0" cy="0"/>
-          <a:chOff x="0" y="0"/>
-          <a:chExt cx="0" cy="0"/>
-        </a:xfrm>
-      </p:grpSpPr>
-      <p:sp>
-        <p:nvSpPr>
-          <p:cNvPr id="69" name="PlaceHolder 1"/>
-          <p:cNvSpPr>
-            <a:spLocks noGrp="1"/>
-          </p:cNvSpPr>
-          <p:nvPr>
-            <p:ph type="title"/>
-          </p:nvPr>
-        </p:nvSpPr>
-        <p:spPr>
-          <a:xfrm>
-            <a:off x="457200" y="273600"/>
-            <a:ext cx="8229240" cy="1144800"/>
-          </a:xfrm>
-          <a:prstGeom prst="rect">
-            <a:avLst/>
-          </a:prstGeom>
-        </p:spPr>
-        <p:txBody>
-          <a:bodyPr lIns="0" rIns="0" tIns="0" bIns="0" anchor="ctr">
-            <a:noAutofit/>
-          </a:bodyPr>
-          <a:p>
-            <a:pPr algn="ctr"/>
-            <a:endParaRPr b="0" lang="ru-RU" sz="4400" spc="-1" strike="noStrike">
-              <a:latin typeface="Arial"/>
-            </a:endParaRPr>
-          </a:p>
-        </p:txBody>
-      </p:sp>
-      <p:sp>
-        <p:nvSpPr>
-          <p:cNvPr id="70" name="PlaceHolder 2"/>
-          <p:cNvSpPr>
-            <a:spLocks noGrp="1"/>
-          </p:cNvSpPr>
-          <p:nvPr>
-            <p:ph type="body"/>
-          </p:nvPr>
-        </p:nvSpPr>
-        <p:spPr>
-          <a:xfrm>
-            <a:off x="457200" y="1604520"/>
-            <a:ext cx="2649600" cy="1896840"/>
-          </a:xfrm>
-          <a:prstGeom prst="rect">
-            <a:avLst/>
-          </a:prstGeom>
-        </p:spPr>
-        <p:txBody>
-          <a:bodyPr lIns="0" rIns="0" tIns="0" bIns="0">
-            <a:normAutofit/>
-          </a:bodyPr>
-          <a:p>
-            <a:endParaRPr b="0" lang="ru-RU" sz="3200" spc="-1" strike="noStrike">
-              <a:latin typeface="Arial"/>
-            </a:endParaRPr>
-          </a:p>
-        </p:txBody>
-      </p:sp>
-      <p:sp>
-        <p:nvSpPr>
-          <p:cNvPr id="71" name="PlaceHolder 3"/>
-          <p:cNvSpPr>
-            <a:spLocks noGrp="1"/>
-          </p:cNvSpPr>
-          <p:nvPr>
-            <p:ph type="body"/>
-          </p:nvPr>
-        </p:nvSpPr>
-        <p:spPr>
-          <a:xfrm>
-            <a:off x="3239640" y="1604520"/>
-            <a:ext cx="2649600" cy="1896840"/>
-          </a:xfrm>
-          <a:prstGeom prst="rect">
-            <a:avLst/>
-          </a:prstGeom>
-        </p:spPr>
-        <p:txBody>
-          <a:bodyPr lIns="0" rIns="0" tIns="0" bIns="0">
-            <a:normAutofit/>
-          </a:bodyPr>
-          <a:p>
-            <a:endParaRPr b="0" lang="ru-RU" sz="3200" spc="-1" strike="noStrike">
-              <a:latin typeface="Arial"/>
-            </a:endParaRPr>
-          </a:p>
-        </p:txBody>
-      </p:sp>
-      <p:sp>
-        <p:nvSpPr>
-          <p:cNvPr id="72" name="PlaceHolder 4"/>
-          <p:cNvSpPr>
-            <a:spLocks noGrp="1"/>
-          </p:cNvSpPr>
-          <p:nvPr>
-            <p:ph type="body"/>
-          </p:nvPr>
-        </p:nvSpPr>
-        <p:spPr>
-          <a:xfrm>
-            <a:off x="6022080" y="1604520"/>
-            <a:ext cx="2649600" cy="1896840"/>
-          </a:xfrm>
-          <a:prstGeom prst="rect">
-            <a:avLst/>
-          </a:prstGeom>
-        </p:spPr>
-        <p:txBody>
-          <a:bodyPr lIns="0" rIns="0" tIns="0" bIns="0">
-            <a:normAutofit/>
-          </a:bodyPr>
-          <a:p>
-            <a:endParaRPr b="0" lang="ru-RU" sz="3200" spc="-1" strike="noStrike">
-              <a:latin typeface="Arial"/>
-            </a:endParaRPr>
-          </a:p>
-        </p:txBody>
-      </p:sp>
-      <p:sp>
-        <p:nvSpPr>
-          <p:cNvPr id="73" name="PlaceHolder 5"/>
-          <p:cNvSpPr>
-            <a:spLocks noGrp="1"/>
-          </p:cNvSpPr>
-          <p:nvPr>
-            <p:ph type="body"/>
-          </p:nvPr>
-        </p:nvSpPr>
-        <p:spPr>
-          <a:xfrm>
-            <a:off x="457200" y="3682080"/>
-            <a:ext cx="2649600" cy="1896840"/>
-          </a:xfrm>
-          <a:prstGeom prst="rect">
-            <a:avLst/>
-          </a:prstGeom>
-        </p:spPr>
-        <p:txBody>
-          <a:bodyPr lIns="0" rIns="0" tIns="0" bIns="0">
-            <a:normAutofit/>
-          </a:bodyPr>
-          <a:p>
-            <a:endParaRPr b="0" lang="ru-RU" sz="3200" spc="-1" strike="noStrike">
-              <a:latin typeface="Arial"/>
-            </a:endParaRPr>
-          </a:p>
-        </p:txBody>
-      </p:sp>
-      <p:sp>
-        <p:nvSpPr>
-          <p:cNvPr id="74" name="PlaceHolder 6"/>
-          <p:cNvSpPr>
-            <a:spLocks noGrp="1"/>
-          </p:cNvSpPr>
-          <p:nvPr>
-            <p:ph type="body"/>
-          </p:nvPr>
-        </p:nvSpPr>
-        <p:spPr>
-          <a:xfrm>
-            <a:off x="3239640" y="3682080"/>
-            <a:ext cx="2649600" cy="1896840"/>
-          </a:xfrm>
-          <a:prstGeom prst="rect">
-            <a:avLst/>
-          </a:prstGeom>
-        </p:spPr>
-        <p:txBody>
-          <a:bodyPr lIns="0" rIns="0" tIns="0" bIns="0">
-            <a:normAutofit/>
-          </a:bodyPr>
-          <a:p>
-            <a:endParaRPr b="0" lang="ru-RU" sz="3200" spc="-1" strike="noStrike">
-              <a:latin typeface="Arial"/>
-            </a:endParaRPr>
-          </a:p>
-        </p:txBody>
-      </p:sp>
-      <p:sp>
-        <p:nvSpPr>
-          <p:cNvPr id="75" name="PlaceHolder 7"/>
-          <p:cNvSpPr>
-            <a:spLocks noGrp="1"/>
-          </p:cNvSpPr>
-          <p:nvPr>
-            <p:ph type="body"/>
-          </p:nvPr>
-        </p:nvSpPr>
-        <p:spPr>
-          <a:xfrm>
-            <a:off x="6022080" y="3682080"/>
-            <a:ext cx="2649600" cy="1896840"/>
-          </a:xfrm>
-          <a:prstGeom prst="rect">
-            <a:avLst/>
-          </a:prstGeom>
-        </p:spPr>
-        <p:txBody>
-          <a:bodyPr lIns="0" rIns="0" tIns="0" bIns="0">
-            <a:normAutofit/>
-          </a:bodyPr>
-          <a:p>
             <a:endParaRPr b="0" lang="ru-RU" sz="3200" spc="-1" strike="noStrike">
               <a:latin typeface="Arial"/>
             </a:endParaRPr>
@@ -2784,13 +1427,7 @@
               <a:rPr b="0" lang="ru-RU" sz="4400" spc="-1" strike="noStrike">
                 <a:latin typeface="Arial"/>
               </a:rPr>
-              <a:t>Click to edit the title text </a:t>
-            </a:r>
-            <a:r>
-              <a:rPr b="0" lang="ru-RU" sz="4400" spc="-1" strike="noStrike">
-                <a:latin typeface="Arial"/>
-              </a:rPr>
-              <a:t>format</a:t>
+              <a:t>Click to edit the title text format</a:t>
             </a:r>
             <a:endParaRPr b="0" lang="ru-RU" sz="4400" spc="-1" strike="noStrike">
               <a:latin typeface="Arial"/>
@@ -2997,258 +1634,6 @@
 </p:sldMaster>
 </file>
 
-<file path=ppt/slideMasters/slideMaster2.xml><?xml version="1.0" encoding="utf-8"?>
-<p:sldMaster xmlns:a="http://schemas.openxmlformats.org/drawingml/2006/main" xmlns:p="http://schemas.openxmlformats.org/presentationml/2006/main" xmlns:r="http://schemas.openxmlformats.org/officeDocument/2006/relationships" xmlns:p14="http://schemas.microsoft.com/office/powerpoint/2010/main" xmlns:p15="http://schemas.microsoft.com/office/powerpoint/2012/main" xmlns:mc="http://schemas.openxmlformats.org/markup-compatibility/2006">
-  <p:cSld>
-    <p:spTree>
-      <p:nvGrpSpPr>
-        <p:cNvPr id="1" name=""/>
-        <p:cNvGrpSpPr/>
-        <p:nvPr/>
-      </p:nvGrpSpPr>
-      <p:grpSpPr>
-        <a:xfrm>
-          <a:off x="0" y="0"/>
-          <a:ext cx="0" cy="0"/>
-          <a:chOff x="0" y="0"/>
-          <a:chExt cx="0" cy="0"/>
-        </a:xfrm>
-      </p:grpSpPr>
-      <p:sp>
-        <p:nvSpPr>
-          <p:cNvPr id="38" name="PlaceHolder 1"/>
-          <p:cNvSpPr>
-            <a:spLocks noGrp="1"/>
-          </p:cNvSpPr>
-          <p:nvPr>
-            <p:ph type="title"/>
-          </p:nvPr>
-        </p:nvSpPr>
-        <p:spPr>
-          <a:xfrm>
-            <a:off x="457200" y="273240"/>
-            <a:ext cx="8228880" cy="1144440"/>
-          </a:xfrm>
-          <a:prstGeom prst="rect">
-            <a:avLst/>
-          </a:prstGeom>
-        </p:spPr>
-        <p:txBody>
-          <a:bodyPr lIns="0" rIns="0" tIns="0" bIns="0" anchor="ctr">
-            <a:noAutofit/>
-          </a:bodyPr>
-          <a:p>
-            <a:r>
-              <a:rPr b="0" lang="ru-RU" sz="1800" spc="-1" strike="noStrike">
-                <a:latin typeface="Arial"/>
-              </a:rPr>
-              <a:t>Click to edit the title text format</a:t>
-            </a:r>
-            <a:endParaRPr b="0" lang="ru-RU" sz="1800" spc="-1" strike="noStrike">
-              <a:latin typeface="Arial"/>
-            </a:endParaRPr>
-          </a:p>
-        </p:txBody>
-      </p:sp>
-      <p:sp>
-        <p:nvSpPr>
-          <p:cNvPr id="39" name="PlaceHolder 2"/>
-          <p:cNvSpPr>
-            <a:spLocks noGrp="1"/>
-          </p:cNvSpPr>
-          <p:nvPr>
-            <p:ph type="body"/>
-          </p:nvPr>
-        </p:nvSpPr>
-        <p:spPr>
-          <a:xfrm>
-            <a:off x="457200" y="1604520"/>
-            <a:ext cx="8228880" cy="3976920"/>
-          </a:xfrm>
-          <a:prstGeom prst="rect">
-            <a:avLst/>
-          </a:prstGeom>
-        </p:spPr>
-        <p:txBody>
-          <a:bodyPr lIns="0" rIns="0" tIns="0" bIns="0">
-            <a:normAutofit/>
-          </a:bodyPr>
-          <a:p>
-            <a:pPr marL="432000" indent="-324000">
-              <a:spcBef>
-                <a:spcPts val="1417"/>
-              </a:spcBef>
-              <a:buClr>
-                <a:srgbClr val="000000"/>
-              </a:buClr>
-              <a:buSzPct val="45000"/>
-              <a:buFont typeface="Wingdings" charset="2"/>
-              <a:buChar char=""/>
-            </a:pPr>
-            <a:r>
-              <a:rPr b="0" lang="ru-RU" sz="1800" spc="-1" strike="noStrike">
-                <a:latin typeface="Arial"/>
-              </a:rPr>
-              <a:t>Click to edit the outline text format</a:t>
-            </a:r>
-            <a:endParaRPr b="0" lang="ru-RU" sz="1800" spc="-1" strike="noStrike">
-              <a:latin typeface="Arial"/>
-            </a:endParaRPr>
-          </a:p>
-          <a:p>
-            <a:pPr lvl="1" marL="864000" indent="-324000">
-              <a:spcBef>
-                <a:spcPts val="1134"/>
-              </a:spcBef>
-              <a:buClr>
-                <a:srgbClr val="000000"/>
-              </a:buClr>
-              <a:buSzPct val="75000"/>
-              <a:buFont typeface="Symbol" charset="2"/>
-              <a:buChar char=""/>
-            </a:pPr>
-            <a:r>
-              <a:rPr b="0" lang="ru-RU" sz="1800" spc="-1" strike="noStrike">
-                <a:latin typeface="Arial"/>
-              </a:rPr>
-              <a:t>Second Outline Level</a:t>
-            </a:r>
-            <a:endParaRPr b="0" lang="ru-RU" sz="1800" spc="-1" strike="noStrike">
-              <a:latin typeface="Arial"/>
-            </a:endParaRPr>
-          </a:p>
-          <a:p>
-            <a:pPr lvl="2" marL="1296000" indent="-288000">
-              <a:spcBef>
-                <a:spcPts val="850"/>
-              </a:spcBef>
-              <a:buClr>
-                <a:srgbClr val="000000"/>
-              </a:buClr>
-              <a:buSzPct val="45000"/>
-              <a:buFont typeface="Wingdings" charset="2"/>
-              <a:buChar char=""/>
-            </a:pPr>
-            <a:r>
-              <a:rPr b="0" lang="ru-RU" sz="1800" spc="-1" strike="noStrike">
-                <a:latin typeface="Arial"/>
-              </a:rPr>
-              <a:t>Third Outline Level</a:t>
-            </a:r>
-            <a:endParaRPr b="0" lang="ru-RU" sz="1800" spc="-1" strike="noStrike">
-              <a:latin typeface="Arial"/>
-            </a:endParaRPr>
-          </a:p>
-          <a:p>
-            <a:pPr lvl="3" marL="1728000" indent="-216000">
-              <a:spcBef>
-                <a:spcPts val="567"/>
-              </a:spcBef>
-              <a:buClr>
-                <a:srgbClr val="000000"/>
-              </a:buClr>
-              <a:buSzPct val="75000"/>
-              <a:buFont typeface="Symbol" charset="2"/>
-              <a:buChar char=""/>
-            </a:pPr>
-            <a:r>
-              <a:rPr b="0" lang="ru-RU" sz="1800" spc="-1" strike="noStrike">
-                <a:latin typeface="Arial"/>
-              </a:rPr>
-              <a:t>Fourth Outline Level</a:t>
-            </a:r>
-            <a:endParaRPr b="0" lang="ru-RU" sz="1800" spc="-1" strike="noStrike">
-              <a:latin typeface="Arial"/>
-            </a:endParaRPr>
-          </a:p>
-          <a:p>
-            <a:pPr lvl="4" marL="2160000" indent="-216000">
-              <a:spcBef>
-                <a:spcPts val="283"/>
-              </a:spcBef>
-              <a:buClr>
-                <a:srgbClr val="000000"/>
-              </a:buClr>
-              <a:buSzPct val="45000"/>
-              <a:buFont typeface="Wingdings" charset="2"/>
-              <a:buChar char=""/>
-            </a:pPr>
-            <a:r>
-              <a:rPr b="0" lang="ru-RU" sz="1800" spc="-1" strike="noStrike">
-                <a:latin typeface="Arial"/>
-              </a:rPr>
-              <a:t>Fifth Outline Level</a:t>
-            </a:r>
-            <a:endParaRPr b="0" lang="ru-RU" sz="1800" spc="-1" strike="noStrike">
-              <a:latin typeface="Arial"/>
-            </a:endParaRPr>
-          </a:p>
-          <a:p>
-            <a:pPr lvl="5" marL="2592000" indent="-216000">
-              <a:spcBef>
-                <a:spcPts val="283"/>
-              </a:spcBef>
-              <a:buClr>
-                <a:srgbClr val="000000"/>
-              </a:buClr>
-              <a:buSzPct val="45000"/>
-              <a:buFont typeface="Wingdings" charset="2"/>
-              <a:buChar char=""/>
-            </a:pPr>
-            <a:r>
-              <a:rPr b="0" lang="ru-RU" sz="1800" spc="-1" strike="noStrike">
-                <a:latin typeface="Arial"/>
-              </a:rPr>
-              <a:t>Sixth Outline Level</a:t>
-            </a:r>
-            <a:endParaRPr b="0" lang="ru-RU" sz="1800" spc="-1" strike="noStrike">
-              <a:latin typeface="Arial"/>
-            </a:endParaRPr>
-          </a:p>
-          <a:p>
-            <a:pPr lvl="6" marL="3024000" indent="-216000">
-              <a:spcBef>
-                <a:spcPts val="283"/>
-              </a:spcBef>
-              <a:buClr>
-                <a:srgbClr val="000000"/>
-              </a:buClr>
-              <a:buSzPct val="45000"/>
-              <a:buFont typeface="Wingdings" charset="2"/>
-              <a:buChar char=""/>
-            </a:pPr>
-            <a:r>
-              <a:rPr b="0" lang="ru-RU" sz="1800" spc="-1" strike="noStrike">
-                <a:latin typeface="Arial"/>
-              </a:rPr>
-              <a:t>Seventh Outline Level</a:t>
-            </a:r>
-            <a:endParaRPr b="0" lang="ru-RU" sz="1800" spc="-1" strike="noStrike">
-              <a:latin typeface="Arial"/>
-            </a:endParaRPr>
-          </a:p>
-        </p:txBody>
-      </p:sp>
-    </p:spTree>
-  </p:cSld>
-  <p:clrMap bg1="lt1" bg2="lt2" tx1="dk1" tx2="dk2" accent1="accent1" accent2="accent2" accent3="accent3" accent4="accent4" accent5="accent5" accent6="accent6" hlink="hlink" folHlink="folHlink"/>
-  <p:sldLayoutIdLst>
-    <p:sldLayoutId id="2147483662" r:id="rId2"/>
-    <p:sldLayoutId id="2147483663" r:id="rId3"/>
-    <p:sldLayoutId id="2147483664" r:id="rId4"/>
-    <p:sldLayoutId id="2147483665" r:id="rId5"/>
-    <p:sldLayoutId id="2147483666" r:id="rId6"/>
-    <p:sldLayoutId id="2147483667" r:id="rId7"/>
-    <p:sldLayoutId id="2147483668" r:id="rId8"/>
-    <p:sldLayoutId id="2147483669" r:id="rId9"/>
-    <p:sldLayoutId id="2147483670" r:id="rId10"/>
-    <p:sldLayoutId id="2147483671" r:id="rId11"/>
-    <p:sldLayoutId id="2147483672" r:id="rId12"/>
-    <p:sldLayoutId id="2147483673" r:id="rId13"/>
-  </p:sldLayoutIdLst>
-</p:sldMaster>
-</file>
-
 <file path=ppt/slides/slide1.xml><?xml version="1.0" encoding="utf-8"?>
 <p:sld xmlns:a="http://schemas.openxmlformats.org/drawingml/2006/main" xmlns:p="http://schemas.openxmlformats.org/presentationml/2006/main" xmlns:r="http://schemas.openxmlformats.org/officeDocument/2006/relationships" xmlns:p14="http://schemas.microsoft.com/office/powerpoint/2010/main" xmlns:p15="http://schemas.microsoft.com/office/powerpoint/2012/main" xmlns:mc="http://schemas.openxmlformats.org/markup-compatibility/2006">
   <p:cSld>
@@ -3268,14 +1653,14 @@
       </p:grpSpPr>
       <p:sp>
         <p:nvSpPr>
-          <p:cNvPr id="76" name="CustomShape 1"/>
+          <p:cNvPr id="38" name="CustomShape 1"/>
           <p:cNvSpPr/>
           <p:nvPr/>
         </p:nvSpPr>
         <p:spPr>
           <a:xfrm>
-            <a:off x="1062720" y="4142520"/>
-            <a:ext cx="6857280" cy="1437480"/>
+            <a:off x="1063080" y="3600000"/>
+            <a:ext cx="6856920" cy="1437120"/>
           </a:xfrm>
           <a:prstGeom prst="rect">
             <a:avLst/>
@@ -3345,11 +1730,41 @@
               <a:latin typeface="Arial"/>
             </a:endParaRPr>
           </a:p>
+          <a:p>
+            <a:pPr>
+              <a:lnSpc>
+                <a:spcPct val="100000"/>
+              </a:lnSpc>
+            </a:pPr>
+            <a:endParaRPr b="0" lang="ru-RU" sz="3000" spc="-1" strike="noStrike">
+              <a:latin typeface="Arial"/>
+            </a:endParaRPr>
+          </a:p>
+          <a:p>
+            <a:pPr>
+              <a:lnSpc>
+                <a:spcPct val="100000"/>
+              </a:lnSpc>
+            </a:pPr>
+            <a:r>
+              <a:rPr b="1" lang="en-US" sz="3000" spc="-1" strike="noStrike" cap="all">
+                <a:solidFill>
+                  <a:srgbClr val="376092"/>
+                </a:solidFill>
+                <a:latin typeface="Tahoma"/>
+                <a:ea typeface="Tahoma"/>
+              </a:rPr>
+              <a:t>Методы и операторы</a:t>
+            </a:r>
+            <a:endParaRPr b="0" lang="ru-RU" sz="3000" spc="-1" strike="noStrike">
+              <a:latin typeface="Arial"/>
+            </a:endParaRPr>
+          </a:p>
         </p:txBody>
       </p:sp>
       <p:pic>
         <p:nvPicPr>
-          <p:cNvPr id="77" name="Picture 2_0" descr="D:\Trainings\EPAM\RD\Javalogo.png"/>
+          <p:cNvPr id="39" name="Picture 2_0" descr="D:\Trainings\EPAM\RD\Javalogo.png"/>
           <p:cNvPicPr/>
           <p:nvPr/>
         </p:nvPicPr>
@@ -3360,7 +1775,7 @@
         <p:spPr>
           <a:xfrm>
             <a:off x="7661520" y="162720"/>
-            <a:ext cx="1208880" cy="2248920"/>
+            <a:ext cx="1208520" cy="2248560"/>
           </a:xfrm>
           <a:prstGeom prst="rect">
             <a:avLst/>
@@ -3402,14 +1817,14 @@
       </p:grpSpPr>
       <p:sp>
         <p:nvSpPr>
-          <p:cNvPr id="105" name="CustomShape 1"/>
+          <p:cNvPr id="67" name="CustomShape 1"/>
           <p:cNvSpPr/>
           <p:nvPr/>
         </p:nvSpPr>
         <p:spPr>
           <a:xfrm>
             <a:off x="457200" y="274680"/>
-            <a:ext cx="8228880" cy="715320"/>
+            <a:ext cx="8228520" cy="714960"/>
           </a:xfrm>
           <a:prstGeom prst="rect">
             <a:avLst/>
@@ -3474,14 +1889,14 @@
       </p:sp>
       <p:sp>
         <p:nvSpPr>
-          <p:cNvPr id="106" name="CustomShape 2"/>
+          <p:cNvPr id="68" name="CustomShape 2"/>
           <p:cNvSpPr/>
           <p:nvPr/>
         </p:nvSpPr>
         <p:spPr>
           <a:xfrm>
             <a:off x="827280" y="1989000"/>
-            <a:ext cx="7777080" cy="954720"/>
+            <a:ext cx="7776720" cy="954360"/>
           </a:xfrm>
           <a:custGeom>
             <a:avLst/>
@@ -3681,14 +2096,14 @@
       </p:sp>
       <p:sp>
         <p:nvSpPr>
-          <p:cNvPr id="107" name="CustomShape 3"/>
+          <p:cNvPr id="69" name="CustomShape 3"/>
           <p:cNvSpPr/>
           <p:nvPr/>
         </p:nvSpPr>
         <p:spPr>
           <a:xfrm>
             <a:off x="827280" y="3357720"/>
-            <a:ext cx="7777080" cy="1926720"/>
+            <a:ext cx="7776720" cy="1926360"/>
           </a:xfrm>
           <a:custGeom>
             <a:avLst/>
@@ -3979,14 +2394,14 @@
       </p:sp>
       <p:sp>
         <p:nvSpPr>
-          <p:cNvPr id="108" name="CustomShape 4"/>
+          <p:cNvPr id="70" name="CustomShape 4"/>
           <p:cNvSpPr/>
           <p:nvPr/>
         </p:nvSpPr>
         <p:spPr>
           <a:xfrm>
             <a:off x="5152320" y="5540400"/>
-            <a:ext cx="3487320" cy="291600"/>
+            <a:ext cx="3486960" cy="291240"/>
           </a:xfrm>
           <a:prstGeom prst="rect">
             <a:avLst/>
@@ -4060,14 +2475,14 @@
       </p:grpSpPr>
       <p:sp>
         <p:nvSpPr>
-          <p:cNvPr id="109" name="CustomShape 1"/>
+          <p:cNvPr id="71" name="CustomShape 1"/>
           <p:cNvSpPr/>
           <p:nvPr/>
         </p:nvSpPr>
         <p:spPr>
           <a:xfrm>
             <a:off x="457200" y="274680"/>
-            <a:ext cx="8228880" cy="715320"/>
+            <a:ext cx="8228520" cy="714960"/>
           </a:xfrm>
           <a:prstGeom prst="rect">
             <a:avLst/>
@@ -4132,14 +2547,14 @@
       </p:sp>
       <p:sp>
         <p:nvSpPr>
-          <p:cNvPr id="110" name="CustomShape 2"/>
+          <p:cNvPr id="72" name="CustomShape 2"/>
           <p:cNvSpPr/>
           <p:nvPr/>
         </p:nvSpPr>
         <p:spPr>
           <a:xfrm>
             <a:off x="827280" y="1989000"/>
-            <a:ext cx="7777080" cy="630720"/>
+            <a:ext cx="7776720" cy="630360"/>
           </a:xfrm>
           <a:custGeom>
             <a:avLst/>
@@ -4302,14 +2717,14 @@
       </p:sp>
       <p:sp>
         <p:nvSpPr>
-          <p:cNvPr id="111" name="CustomShape 3"/>
+          <p:cNvPr id="73" name="CustomShape 3"/>
           <p:cNvSpPr/>
           <p:nvPr/>
         </p:nvSpPr>
         <p:spPr>
           <a:xfrm>
             <a:off x="827280" y="2852640"/>
-            <a:ext cx="7777080" cy="1278720"/>
+            <a:ext cx="7776720" cy="1278360"/>
           </a:xfrm>
           <a:custGeom>
             <a:avLst/>
@@ -4516,14 +2931,14 @@
       </p:sp>
       <p:sp>
         <p:nvSpPr>
-          <p:cNvPr id="112" name="CustomShape 4"/>
+          <p:cNvPr id="74" name="CustomShape 4"/>
           <p:cNvSpPr/>
           <p:nvPr/>
         </p:nvSpPr>
         <p:spPr>
           <a:xfrm>
             <a:off x="827280" y="4398840"/>
-            <a:ext cx="7777080" cy="1602720"/>
+            <a:ext cx="7776720" cy="1602360"/>
           </a:xfrm>
           <a:custGeom>
             <a:avLst/>
@@ -4777,14 +3192,14 @@
       </p:sp>
       <p:sp>
         <p:nvSpPr>
-          <p:cNvPr id="113" name="CustomShape 5"/>
+          <p:cNvPr id="75" name="CustomShape 5"/>
           <p:cNvSpPr/>
           <p:nvPr/>
         </p:nvSpPr>
         <p:spPr>
           <a:xfrm>
             <a:off x="5152680" y="6120000"/>
-            <a:ext cx="3487320" cy="291600"/>
+            <a:ext cx="3486960" cy="291240"/>
           </a:xfrm>
           <a:prstGeom prst="rect">
             <a:avLst/>
@@ -4858,14 +3273,14 @@
       </p:grpSpPr>
       <p:sp>
         <p:nvSpPr>
-          <p:cNvPr id="114" name="CustomShape 1"/>
+          <p:cNvPr id="76" name="CustomShape 1"/>
           <p:cNvSpPr/>
           <p:nvPr/>
         </p:nvSpPr>
         <p:spPr>
           <a:xfrm>
             <a:off x="457200" y="274680"/>
-            <a:ext cx="8228880" cy="715320"/>
+            <a:ext cx="8228520" cy="714960"/>
           </a:xfrm>
           <a:prstGeom prst="rect">
             <a:avLst/>
@@ -4909,14 +3324,14 @@
       </p:sp>
       <p:sp>
         <p:nvSpPr>
-          <p:cNvPr id="115" name="CustomShape 2"/>
+          <p:cNvPr id="77" name="CustomShape 2"/>
           <p:cNvSpPr/>
           <p:nvPr/>
         </p:nvSpPr>
         <p:spPr>
           <a:xfrm>
             <a:off x="914400" y="1219320"/>
-            <a:ext cx="7314480" cy="4799880"/>
+            <a:ext cx="7314120" cy="4799520"/>
           </a:xfrm>
           <a:prstGeom prst="rect">
             <a:avLst/>
@@ -4954,6 +3369,7 @@
                   <a:srgbClr val="000000"/>
                 </a:solidFill>
                 <a:latin typeface="Arial"/>
+                <a:ea typeface="DejaVu Sans"/>
               </a:rPr>
               <a:t>b</a:t>
             </a:r>
@@ -4963,6 +3379,7 @@
                   <a:srgbClr val="000000"/>
                 </a:solidFill>
                 <a:latin typeface="Arial"/>
+                <a:ea typeface="DejaVu Sans"/>
               </a:rPr>
               <a:t>reak </a:t>
             </a:r>
@@ -4972,6 +3389,7 @@
                   <a:srgbClr val="6b0d0d"/>
                 </a:solidFill>
                 <a:latin typeface="Arial"/>
+                <a:ea typeface="DejaVu Sans"/>
               </a:rPr>
               <a:t>– </a:t>
             </a:r>
@@ -4981,6 +3399,7 @@
                   <a:srgbClr val="000000"/>
                 </a:solidFill>
                 <a:latin typeface="Arial"/>
+                <a:ea typeface="DejaVu Sans"/>
               </a:rPr>
               <a:t>применяется для выхода из цикла</a:t>
             </a:r>
@@ -5022,6 +3441,7 @@
                   <a:srgbClr val="000000"/>
                 </a:solidFill>
                 <a:latin typeface="Arial"/>
+                <a:ea typeface="DejaVu Sans"/>
               </a:rPr>
               <a:t>c</a:t>
             </a:r>
@@ -5031,6 +3451,7 @@
                   <a:srgbClr val="000000"/>
                 </a:solidFill>
                 <a:latin typeface="Arial"/>
+                <a:ea typeface="DejaVu Sans"/>
               </a:rPr>
               <a:t>ontinue</a:t>
             </a:r>
@@ -5040,6 +3461,7 @@
                   <a:srgbClr val="000000"/>
                 </a:solidFill>
                 <a:latin typeface="Arial"/>
+                <a:ea typeface="DejaVu Sans"/>
               </a:rPr>
               <a:t> </a:t>
             </a:r>
@@ -5049,6 +3471,7 @@
                   <a:srgbClr val="6b0d0d"/>
                 </a:solidFill>
                 <a:latin typeface="Arial"/>
+                <a:ea typeface="DejaVu Sans"/>
               </a:rPr>
               <a:t>- </a:t>
             </a:r>
@@ -5058,6 +3481,7 @@
                   <a:srgbClr val="000000"/>
                 </a:solidFill>
                 <a:latin typeface="Arial"/>
+                <a:ea typeface="DejaVu Sans"/>
               </a:rPr>
               <a:t>применяется для перехода к следующей итерации цикла</a:t>
             </a:r>
@@ -5066,7 +3490,7 @@
             </a:endParaRPr>
           </a:p>
           <a:p>
-            <a:pPr marL="285840" indent="-285120">
+            <a:pPr marL="285840" indent="-284760">
               <a:lnSpc>
                 <a:spcPct val="100000"/>
               </a:lnSpc>
@@ -5083,6 +3507,7 @@
                   <a:srgbClr val="000000"/>
                 </a:solidFill>
                 <a:latin typeface="Arial"/>
+                <a:ea typeface="DejaVu Sans"/>
               </a:rPr>
               <a:t>В языке </a:t>
             </a:r>
@@ -5092,6 +3517,7 @@
                   <a:srgbClr val="000000"/>
                 </a:solidFill>
                 <a:latin typeface="Arial"/>
+                <a:ea typeface="DejaVu Sans"/>
               </a:rPr>
               <a:t>Java</a:t>
             </a:r>
@@ -5101,6 +3527,7 @@
                   <a:srgbClr val="000000"/>
                 </a:solidFill>
                 <a:latin typeface="Arial"/>
+                <a:ea typeface="DejaVu Sans"/>
               </a:rPr>
               <a:t> расширились возможности оператора прерывания цикла </a:t>
             </a:r>
@@ -5110,6 +3537,7 @@
                   <a:srgbClr val="000000"/>
                 </a:solidFill>
                 <a:latin typeface="Arial"/>
+                <a:ea typeface="DejaVu Sans"/>
               </a:rPr>
               <a:t>break</a:t>
             </a:r>
@@ -5119,6 +3547,7 @@
                   <a:srgbClr val="000000"/>
                 </a:solidFill>
                 <a:latin typeface="Arial"/>
+                <a:ea typeface="DejaVu Sans"/>
               </a:rPr>
               <a:t> и оператора прерывания итерации цикла </a:t>
             </a:r>
@@ -5128,6 +3557,7 @@
                   <a:srgbClr val="000000"/>
                 </a:solidFill>
                 <a:latin typeface="Arial"/>
+                <a:ea typeface="DejaVu Sans"/>
               </a:rPr>
               <a:t>continue</a:t>
             </a:r>
@@ -5137,6 +3567,7 @@
                   <a:srgbClr val="000000"/>
                 </a:solidFill>
                 <a:latin typeface="Arial"/>
+                <a:ea typeface="DejaVu Sans"/>
               </a:rPr>
               <a:t>, которые можно использовать с меткой</a:t>
             </a:r>
@@ -5146,6 +3577,7 @@
                   <a:srgbClr val="000000"/>
                 </a:solidFill>
                 <a:latin typeface="Arial"/>
+                <a:ea typeface="DejaVu Sans"/>
               </a:rPr>
               <a:t>.</a:t>
             </a:r>
@@ -5155,6 +3587,7 @@
                   <a:srgbClr val="000000"/>
                 </a:solidFill>
                 <a:latin typeface="Arial"/>
+                <a:ea typeface="DejaVu Sans"/>
               </a:rPr>
               <a:t> </a:t>
             </a:r>
@@ -5163,7 +3596,7 @@
             </a:endParaRPr>
           </a:p>
           <a:p>
-            <a:pPr marL="285840" indent="-285120">
+            <a:pPr marL="285840" indent="-284760">
               <a:lnSpc>
                 <a:spcPct val="100000"/>
               </a:lnSpc>
@@ -5182,14 +3615,14 @@
       </p:sp>
       <p:sp>
         <p:nvSpPr>
-          <p:cNvPr id="116" name="CustomShape 3"/>
+          <p:cNvPr id="78" name="CustomShape 3"/>
           <p:cNvSpPr/>
           <p:nvPr/>
         </p:nvSpPr>
         <p:spPr>
           <a:xfrm>
             <a:off x="2751120" y="3373920"/>
-            <a:ext cx="5708880" cy="3286080"/>
+            <a:ext cx="5708520" cy="3286080"/>
           </a:xfrm>
           <a:prstGeom prst="rect">
             <a:avLst/>
@@ -6236,14 +4669,14 @@
       </p:sp>
       <p:sp>
         <p:nvSpPr>
-          <p:cNvPr id="117" name="TextShape 4"/>
-          <p:cNvSpPr txBox="1"/>
+          <p:cNvPr id="79" name="CustomShape 4"/>
+          <p:cNvSpPr/>
           <p:nvPr/>
         </p:nvSpPr>
         <p:spPr>
           <a:xfrm>
             <a:off x="856440" y="3600000"/>
-            <a:ext cx="1843560" cy="356040"/>
+            <a:ext cx="1843200" cy="355680"/>
           </a:xfrm>
           <a:prstGeom prst="rect">
             <a:avLst/>
@@ -6253,11 +4686,22 @@
             <a:noFill/>
           </a:ln>
         </p:spPr>
+        <p:style>
+          <a:lnRef idx="0"/>
+          <a:fillRef idx="0"/>
+          <a:effectRef idx="0"/>
+          <a:fontRef idx="minor"/>
+        </p:style>
         <p:txBody>
           <a:bodyPr lIns="90000" rIns="90000" tIns="45000" bIns="45000">
             <a:noAutofit/>
           </a:bodyPr>
           <a:p>
+            <a:pPr>
+              <a:lnSpc>
+                <a:spcPct val="100000"/>
+              </a:lnSpc>
+            </a:pPr>
             <a:r>
               <a:rPr b="1" lang="ru-RU" sz="1800" spc="-1" strike="noStrike">
                 <a:solidFill>
@@ -6306,14 +4750,14 @@
       </p:grpSpPr>
       <p:sp>
         <p:nvSpPr>
-          <p:cNvPr id="118" name="CustomShape 1"/>
+          <p:cNvPr id="80" name="CustomShape 1"/>
           <p:cNvSpPr/>
           <p:nvPr/>
         </p:nvSpPr>
         <p:spPr>
           <a:xfrm>
             <a:off x="457200" y="274680"/>
-            <a:ext cx="8228880" cy="715320"/>
+            <a:ext cx="8228520" cy="714960"/>
           </a:xfrm>
           <a:prstGeom prst="rect">
             <a:avLst/>
@@ -6357,14 +4801,14 @@
       </p:sp>
       <p:sp>
         <p:nvSpPr>
-          <p:cNvPr id="119" name="CustomShape 2"/>
+          <p:cNvPr id="81" name="CustomShape 2"/>
           <p:cNvSpPr/>
           <p:nvPr/>
         </p:nvSpPr>
         <p:spPr>
           <a:xfrm>
             <a:off x="914400" y="1219320"/>
-            <a:ext cx="7314480" cy="4799880"/>
+            <a:ext cx="7314120" cy="4799520"/>
           </a:xfrm>
           <a:prstGeom prst="rect">
             <a:avLst/>
@@ -6402,6 +4846,7 @@
                   <a:srgbClr val="000000"/>
                 </a:solidFill>
                 <a:latin typeface="Arial"/>
+                <a:ea typeface="DejaVu Sans"/>
               </a:rPr>
               <a:t>Проверка условия для всех циклов выполняется только один раз за одну итерацию, для циклов </a:t>
             </a:r>
@@ -6411,6 +4856,7 @@
                   <a:srgbClr val="000000"/>
                 </a:solidFill>
                 <a:latin typeface="Arial"/>
+                <a:ea typeface="DejaVu Sans"/>
               </a:rPr>
               <a:t>for</a:t>
             </a:r>
@@ -6420,6 +4866,7 @@
                   <a:srgbClr val="000000"/>
                 </a:solidFill>
                 <a:latin typeface="Arial"/>
+                <a:ea typeface="DejaVu Sans"/>
               </a:rPr>
               <a:t> и </a:t>
             </a:r>
@@ -6429,6 +4876,7 @@
                   <a:srgbClr val="000000"/>
                 </a:solidFill>
                 <a:latin typeface="Arial"/>
+                <a:ea typeface="DejaVu Sans"/>
               </a:rPr>
               <a:t>while</a:t>
             </a:r>
@@ -6438,6 +4886,7 @@
                   <a:srgbClr val="000000"/>
                 </a:solidFill>
                 <a:latin typeface="Arial"/>
+                <a:ea typeface="DejaVu Sans"/>
               </a:rPr>
               <a:t> – перед итерацией, для цикла </a:t>
             </a:r>
@@ -6447,6 +4896,7 @@
                   <a:srgbClr val="000000"/>
                 </a:solidFill>
                 <a:latin typeface="Arial"/>
+                <a:ea typeface="DejaVu Sans"/>
               </a:rPr>
               <a:t>do</a:t>
             </a:r>
@@ -6456,6 +4906,7 @@
                   <a:srgbClr val="000000"/>
                 </a:solidFill>
                 <a:latin typeface="Arial"/>
+                <a:ea typeface="DejaVu Sans"/>
               </a:rPr>
               <a:t>/</a:t>
             </a:r>
@@ -6465,6 +4916,7 @@
                   <a:srgbClr val="000000"/>
                 </a:solidFill>
                 <a:latin typeface="Arial"/>
+                <a:ea typeface="DejaVu Sans"/>
               </a:rPr>
               <a:t>while</a:t>
             </a:r>
@@ -6474,6 +4926,7 @@
                   <a:srgbClr val="000000"/>
                 </a:solidFill>
                 <a:latin typeface="Arial"/>
+                <a:ea typeface="DejaVu Sans"/>
               </a:rPr>
               <a:t> </a:t>
             </a:r>
@@ -6483,6 +4936,7 @@
                   <a:srgbClr val="000000"/>
                 </a:solidFill>
                 <a:latin typeface="Arial"/>
+                <a:ea typeface="DejaVu Sans"/>
               </a:rPr>
               <a:t>– по окончании итерации.</a:t>
             </a:r>
@@ -6524,6 +4978,7 @@
                   <a:srgbClr val="000000"/>
                 </a:solidFill>
                 <a:latin typeface="Arial"/>
+                <a:ea typeface="DejaVu Sans"/>
               </a:rPr>
               <a:t>Цикл </a:t>
             </a:r>
@@ -6533,6 +4988,7 @@
                   <a:srgbClr val="6b0d0d"/>
                 </a:solidFill>
                 <a:latin typeface="Arial"/>
+                <a:ea typeface="DejaVu Sans"/>
               </a:rPr>
               <a:t>for</a:t>
             </a:r>
@@ -6542,6 +4998,7 @@
                   <a:srgbClr val="000000"/>
                 </a:solidFill>
                 <a:latin typeface="Arial"/>
+                <a:ea typeface="DejaVu Sans"/>
               </a:rPr>
               <a:t> следует использовать при необходимости выполнения алгоритма строго определенное количество раз. Цикл </a:t>
             </a:r>
@@ -6551,6 +5008,7 @@
                   <a:srgbClr val="000000"/>
                 </a:solidFill>
                 <a:latin typeface="Arial"/>
+                <a:ea typeface="DejaVu Sans"/>
               </a:rPr>
               <a:t>while</a:t>
             </a:r>
@@ -6560,6 +5018,7 @@
                   <a:srgbClr val="000000"/>
                 </a:solidFill>
                 <a:latin typeface="Arial"/>
+                <a:ea typeface="DejaVu Sans"/>
               </a:rPr>
               <a:t> используется в случае, когда неизвестно число итераций для достижения необходимого результата, например, поиск необходимого значения в массиве или коллекции. Этот цикл применяется для организации бесконечных циклов в виде </a:t>
             </a:r>
@@ -6569,6 +5028,7 @@
                   <a:srgbClr val="000000"/>
                 </a:solidFill>
                 <a:latin typeface="Arial"/>
+                <a:ea typeface="DejaVu Sans"/>
               </a:rPr>
               <a:t>while</a:t>
             </a:r>
@@ -6578,6 +5038,7 @@
                   <a:srgbClr val="000000"/>
                 </a:solidFill>
                 <a:latin typeface="Arial"/>
+                <a:ea typeface="DejaVu Sans"/>
               </a:rPr>
               <a:t>(</a:t>
             </a:r>
@@ -6587,6 +5048,7 @@
                   <a:srgbClr val="000000"/>
                 </a:solidFill>
                 <a:latin typeface="Arial"/>
+                <a:ea typeface="DejaVu Sans"/>
               </a:rPr>
               <a:t>true</a:t>
             </a:r>
@@ -6596,6 +5058,7 @@
                   <a:srgbClr val="000000"/>
                 </a:solidFill>
                 <a:latin typeface="Arial"/>
+                <a:ea typeface="DejaVu Sans"/>
               </a:rPr>
               <a:t>).</a:t>
             </a:r>
@@ -6669,14 +5132,14 @@
       </p:grpSpPr>
       <p:sp>
         <p:nvSpPr>
-          <p:cNvPr id="120" name="CustomShape 1"/>
+          <p:cNvPr id="82" name="CustomShape 1"/>
           <p:cNvSpPr/>
           <p:nvPr/>
         </p:nvSpPr>
         <p:spPr>
           <a:xfrm>
             <a:off x="457200" y="274680"/>
-            <a:ext cx="8228880" cy="715320"/>
+            <a:ext cx="8228520" cy="714960"/>
           </a:xfrm>
           <a:prstGeom prst="rect">
             <a:avLst/>
@@ -6720,14 +5183,14 @@
       </p:sp>
       <p:sp>
         <p:nvSpPr>
-          <p:cNvPr id="121" name="CustomShape 2"/>
+          <p:cNvPr id="83" name="CustomShape 2"/>
           <p:cNvSpPr/>
           <p:nvPr/>
         </p:nvSpPr>
         <p:spPr>
           <a:xfrm>
             <a:off x="914400" y="1219320"/>
-            <a:ext cx="7314480" cy="4799880"/>
+            <a:ext cx="7314120" cy="4799520"/>
           </a:xfrm>
           <a:prstGeom prst="rect">
             <a:avLst/>
@@ -6765,6 +5228,7 @@
                   <a:srgbClr val="000000"/>
                 </a:solidFill>
                 <a:latin typeface="Arial"/>
+                <a:ea typeface="DejaVu Sans"/>
               </a:rPr>
               <a:t>Для цикла </a:t>
             </a:r>
@@ -6774,6 +5238,7 @@
                   <a:srgbClr val="000000"/>
                 </a:solidFill>
                 <a:latin typeface="Arial"/>
+                <a:ea typeface="DejaVu Sans"/>
               </a:rPr>
               <a:t>for</a:t>
             </a:r>
@@ -6783,6 +5248,7 @@
                   <a:srgbClr val="000000"/>
                 </a:solidFill>
                 <a:latin typeface="Arial"/>
+                <a:ea typeface="DejaVu Sans"/>
               </a:rPr>
               <a:t> не рекомендуется в цикле изменять индекс цикла.</a:t>
             </a:r>
@@ -6824,6 +5290,7 @@
                   <a:srgbClr val="000000"/>
                 </a:solidFill>
                 <a:latin typeface="Arial"/>
+                <a:ea typeface="DejaVu Sans"/>
               </a:rPr>
               <a:t>Условие завершения цикла должно быть очевидным, чтобы цикл не «сорвался» в бесконечный цикл.</a:t>
             </a:r>
@@ -6865,6 +5332,7 @@
                   <a:srgbClr val="000000"/>
                 </a:solidFill>
                 <a:latin typeface="Arial"/>
+                <a:ea typeface="DejaVu Sans"/>
               </a:rPr>
               <a:t>Для индексов следует применять осмысленные имена.</a:t>
             </a:r>
@@ -6906,6 +5374,7 @@
                   <a:srgbClr val="000000"/>
                 </a:solidFill>
                 <a:latin typeface="Arial"/>
+                <a:ea typeface="DejaVu Sans"/>
               </a:rPr>
               <a:t>Циклы не должны быть слишком длинными. Такой цикл претендует на выделение в отдельный метод.</a:t>
             </a:r>
@@ -6947,6 +5416,7 @@
                   <a:srgbClr val="000000"/>
                 </a:solidFill>
                 <a:latin typeface="Arial"/>
+                <a:ea typeface="DejaVu Sans"/>
               </a:rPr>
               <a:t>Вложенность циклов не должна превышать трех.</a:t>
             </a:r>
@@ -7004,14 +5474,14 @@
       </p:grpSpPr>
       <p:sp>
         <p:nvSpPr>
-          <p:cNvPr id="78" name="CustomShape 1"/>
+          <p:cNvPr id="40" name="CustomShape 1"/>
           <p:cNvSpPr/>
           <p:nvPr/>
         </p:nvSpPr>
         <p:spPr>
           <a:xfrm>
             <a:off x="457200" y="274680"/>
-            <a:ext cx="8228880" cy="715320"/>
+            <a:ext cx="8228520" cy="714960"/>
           </a:xfrm>
           <a:prstGeom prst="rect">
             <a:avLst/>
@@ -7055,14 +5525,14 @@
       </p:sp>
       <p:sp>
         <p:nvSpPr>
-          <p:cNvPr id="79" name="CustomShape 2"/>
+          <p:cNvPr id="41" name="CustomShape 2"/>
           <p:cNvSpPr/>
           <p:nvPr/>
         </p:nvSpPr>
         <p:spPr>
           <a:xfrm>
             <a:off x="914400" y="1219320"/>
-            <a:ext cx="7314480" cy="4799880"/>
+            <a:ext cx="7314120" cy="4799520"/>
           </a:xfrm>
           <a:prstGeom prst="rect">
             <a:avLst/>
@@ -7083,7 +5553,7 @@
             <a:noAutofit/>
           </a:bodyPr>
           <a:p>
-            <a:pPr marL="447840" indent="-447120">
+            <a:pPr marL="447840" indent="-446760">
               <a:lnSpc>
                 <a:spcPct val="100000"/>
               </a:lnSpc>
@@ -7102,6 +5572,7 @@
                   <a:srgbClr val="000000"/>
                 </a:solidFill>
                 <a:latin typeface="Arial"/>
+                <a:ea typeface="DejaVu Sans"/>
               </a:rPr>
               <a:t>Управляющие операторы.</a:t>
             </a:r>
@@ -7110,7 +5581,7 @@
             </a:endParaRPr>
           </a:p>
           <a:p>
-            <a:pPr marL="447840" indent="-447120">
+            <a:pPr marL="447840" indent="-446760">
               <a:lnSpc>
                 <a:spcPct val="100000"/>
               </a:lnSpc>
@@ -7129,6 +5600,7 @@
                   <a:srgbClr val="000000"/>
                 </a:solidFill>
                 <a:latin typeface="Arial"/>
+                <a:ea typeface="DejaVu Sans"/>
               </a:rPr>
               <a:t>Условный оператор if.</a:t>
             </a:r>
@@ -7137,7 +5609,7 @@
             </a:endParaRPr>
           </a:p>
           <a:p>
-            <a:pPr marL="447840" indent="-447120">
+            <a:pPr marL="447840" indent="-446760">
               <a:lnSpc>
                 <a:spcPct val="100000"/>
               </a:lnSpc>
@@ -7156,6 +5628,7 @@
                   <a:srgbClr val="000000"/>
                 </a:solidFill>
                 <a:latin typeface="Arial"/>
+                <a:ea typeface="DejaVu Sans"/>
               </a:rPr>
               <a:t>Операторы ветвления.</a:t>
             </a:r>
@@ -7164,7 +5637,7 @@
             </a:endParaRPr>
           </a:p>
           <a:p>
-            <a:pPr marL="447840" indent="-447120">
+            <a:pPr marL="447840" indent="-446760">
               <a:lnSpc>
                 <a:spcPct val="100000"/>
               </a:lnSpc>
@@ -7183,6 +5656,7 @@
                   <a:srgbClr val="000000"/>
                 </a:solidFill>
                 <a:latin typeface="Arial"/>
+                <a:ea typeface="DejaVu Sans"/>
               </a:rPr>
               <a:t>Выражение switch.</a:t>
             </a:r>
@@ -7191,7 +5665,7 @@
             </a:endParaRPr>
           </a:p>
           <a:p>
-            <a:pPr marL="447840" indent="-447120">
+            <a:pPr marL="447840" indent="-446760">
               <a:lnSpc>
                 <a:spcPct val="100000"/>
               </a:lnSpc>
@@ -7210,6 +5684,7 @@
                   <a:srgbClr val="000000"/>
                 </a:solidFill>
                 <a:latin typeface="Arial"/>
+                <a:ea typeface="DejaVu Sans"/>
               </a:rPr>
               <a:t>Операторы циклов.</a:t>
             </a:r>
@@ -7218,7 +5693,7 @@
             </a:endParaRPr>
           </a:p>
           <a:p>
-            <a:pPr marL="447840" indent="-447120">
+            <a:pPr marL="447840" indent="-446760">
               <a:lnSpc>
                 <a:spcPct val="100000"/>
               </a:lnSpc>
@@ -7237,6 +5712,7 @@
                   <a:srgbClr val="000000"/>
                 </a:solidFill>
                 <a:latin typeface="Arial"/>
+                <a:ea typeface="DejaVu Sans"/>
               </a:rPr>
               <a:t>Создание и вызов методов.</a:t>
             </a:r>
@@ -7245,7 +5721,7 @@
             </a:endParaRPr>
           </a:p>
           <a:p>
-            <a:pPr marL="447840" indent="-447120">
+            <a:pPr marL="447840" indent="-446760">
               <a:lnSpc>
                 <a:spcPct val="100000"/>
               </a:lnSpc>
@@ -7264,6 +5740,7 @@
                   <a:srgbClr val="000000"/>
                 </a:solidFill>
                 <a:latin typeface="Arial"/>
+                <a:ea typeface="DejaVu Sans"/>
               </a:rPr>
               <a:t>Перегрузка и методы с переменным числом аргументов.</a:t>
             </a:r>
@@ -7318,14 +5795,14 @@
       </p:grpSpPr>
       <p:sp>
         <p:nvSpPr>
-          <p:cNvPr id="80" name="CustomShape 1"/>
+          <p:cNvPr id="42" name="CustomShape 1"/>
           <p:cNvSpPr/>
           <p:nvPr/>
         </p:nvSpPr>
         <p:spPr>
           <a:xfrm>
             <a:off x="457200" y="274680"/>
-            <a:ext cx="8228880" cy="715320"/>
+            <a:ext cx="8228520" cy="714960"/>
           </a:xfrm>
           <a:prstGeom prst="rect">
             <a:avLst/>
@@ -7369,14 +5846,14 @@
       </p:sp>
       <p:sp>
         <p:nvSpPr>
-          <p:cNvPr id="81" name="CustomShape 2"/>
+          <p:cNvPr id="43" name="CustomShape 2"/>
           <p:cNvSpPr/>
           <p:nvPr/>
         </p:nvSpPr>
         <p:spPr>
           <a:xfrm>
             <a:off x="914400" y="1219320"/>
-            <a:ext cx="7314480" cy="4799880"/>
+            <a:ext cx="7314120" cy="4799520"/>
           </a:xfrm>
           <a:prstGeom prst="rect">
             <a:avLst/>
@@ -7397,7 +5874,7 @@
             <a:noAutofit/>
           </a:bodyPr>
           <a:p>
-            <a:pPr marL="447840" indent="-447120" algn="just">
+            <a:pPr marL="447840" indent="-446760" algn="just">
               <a:lnSpc>
                 <a:spcPct val="100000"/>
               </a:lnSpc>
@@ -7419,17 +5896,9 @@
                   <a:srgbClr val="000000"/>
                 </a:solidFill>
                 <a:latin typeface="Arial"/>
-              </a:rPr>
-              <a:t>Применяются для реализации переходов и ветвлений в потоке </a:t>
-            </a:r>
-            <a:r>
-              <a:rPr b="0" lang="ru-RU" sz="1600" spc="-1" strike="noStrike">
-                <a:solidFill>
-                  <a:srgbClr val="000000"/>
-                </a:solidFill>
-                <a:latin typeface="Arial"/>
-              </a:rPr>
-              <a:t>исполнения команд программы, исходя из ее состояния.</a:t>
+                <a:ea typeface="DejaVu Sans"/>
+              </a:rPr>
+              <a:t>Применяются для реализации переходов и ветвлений в потоке исполнения команд программы, исходя из ее состояния.</a:t>
             </a:r>
             <a:endParaRPr b="0" lang="ru-RU" sz="1600" spc="-1" strike="noStrike">
               <a:latin typeface="Arial"/>
@@ -7443,13 +5912,16 @@
               <a:spcBef>
                 <a:spcPts val="320"/>
               </a:spcBef>
+              <a:tabLst>
+                <a:tab algn="l" pos="408240"/>
+              </a:tabLst>
             </a:pPr>
             <a:endParaRPr b="0" lang="ru-RU" sz="1600" spc="-1" strike="noStrike">
               <a:latin typeface="Arial"/>
             </a:endParaRPr>
           </a:p>
           <a:p>
-            <a:pPr marL="447840" indent="-447120">
+            <a:pPr marL="447840" indent="-446760">
               <a:lnSpc>
                 <a:spcPct val="100000"/>
               </a:lnSpc>
@@ -7461,6 +5933,9 @@
               </a:buClr>
               <a:buFont typeface="Calibri"/>
               <a:buAutoNum type="arabicPeriod"/>
+              <a:tabLst>
+                <a:tab algn="l" pos="408240"/>
+              </a:tabLst>
             </a:pPr>
             <a:r>
               <a:rPr b="0" i="1" lang="ru-RU" sz="1600" spc="-1" strike="noStrike">
@@ -7468,6 +5943,7 @@
                   <a:srgbClr val="000000"/>
                 </a:solidFill>
                 <a:latin typeface="Arial"/>
+                <a:ea typeface="DejaVu Sans"/>
               </a:rPr>
               <a:t>Операторы выбора: </a:t>
             </a:r>
@@ -7476,7 +5952,7 @@
             </a:endParaRPr>
           </a:p>
           <a:p>
-            <a:pPr lvl="1" marL="432000" indent="-216000">
+            <a:pPr lvl="1" marL="432000" indent="-215640">
               <a:lnSpc>
                 <a:spcPct val="100000"/>
               </a:lnSpc>
@@ -7489,6 +5965,9 @@
               <a:buSzPct val="45000"/>
               <a:buFont typeface="Wingdings" charset="2"/>
               <a:buChar char=""/>
+              <a:tabLst>
+                <a:tab algn="l" pos="408240"/>
+              </a:tabLst>
             </a:pPr>
             <a:r>
               <a:rPr b="1" lang="ru-RU" sz="1600" spc="-1" strike="noStrike">
@@ -7496,6 +5975,7 @@
                   <a:srgbClr val="000000"/>
                 </a:solidFill>
                 <a:latin typeface="Arial"/>
+                <a:ea typeface="DejaVu Sans"/>
               </a:rPr>
               <a:t>if</a:t>
             </a:r>
@@ -7504,7 +5984,7 @@
             </a:endParaRPr>
           </a:p>
           <a:p>
-            <a:pPr lvl="1" marL="432000" indent="-216000">
+            <a:pPr lvl="1" marL="432000" indent="-215640">
               <a:lnSpc>
                 <a:spcPct val="100000"/>
               </a:lnSpc>
@@ -7517,6 +5997,9 @@
               <a:buSzPct val="45000"/>
               <a:buFont typeface="Wingdings" charset="2"/>
               <a:buChar char=""/>
+              <a:tabLst>
+                <a:tab algn="l" pos="408240"/>
+              </a:tabLst>
             </a:pPr>
             <a:r>
               <a:rPr b="1" lang="ru-RU" sz="1600" spc="-1" strike="noStrike">
@@ -7524,6 +6007,7 @@
                   <a:srgbClr val="000000"/>
                 </a:solidFill>
                 <a:latin typeface="Arial"/>
+                <a:ea typeface="DejaVu Sans"/>
               </a:rPr>
               <a:t>тернарный</a:t>
             </a:r>
@@ -7532,7 +6016,7 @@
             </a:endParaRPr>
           </a:p>
           <a:p>
-            <a:pPr lvl="1" marL="432000" indent="-216000">
+            <a:pPr lvl="1" marL="432000" indent="-215640">
               <a:lnSpc>
                 <a:spcPct val="100000"/>
               </a:lnSpc>
@@ -7545,6 +6029,9 @@
               <a:buSzPct val="45000"/>
               <a:buFont typeface="Wingdings" charset="2"/>
               <a:buChar char=""/>
+              <a:tabLst>
+                <a:tab algn="l" pos="408240"/>
+              </a:tabLst>
             </a:pPr>
             <a:r>
               <a:rPr b="1" lang="ru-RU" sz="1600" spc="-1" strike="noStrike">
@@ -7552,6 +6039,7 @@
                   <a:srgbClr val="000000"/>
                 </a:solidFill>
                 <a:latin typeface="Arial"/>
+                <a:ea typeface="DejaVu Sans"/>
               </a:rPr>
               <a:t>switch, </a:t>
             </a:r>
@@ -7560,7 +6048,7 @@
             </a:endParaRPr>
           </a:p>
           <a:p>
-            <a:pPr marL="447840" indent="-447120">
+            <a:pPr marL="447840" indent="-446760">
               <a:lnSpc>
                 <a:spcPct val="100000"/>
               </a:lnSpc>
@@ -7572,6 +6060,9 @@
               </a:buClr>
               <a:buFont typeface="Calibri"/>
               <a:buAutoNum type="arabicPeriod"/>
+              <a:tabLst>
+                <a:tab algn="l" pos="408240"/>
+              </a:tabLst>
             </a:pPr>
             <a:r>
               <a:rPr b="0" i="1" lang="ru-RU" sz="1600" spc="-1" strike="noStrike">
@@ -7579,6 +6070,7 @@
                   <a:srgbClr val="000000"/>
                 </a:solidFill>
                 <a:latin typeface="Arial"/>
+                <a:ea typeface="DejaVu Sans"/>
               </a:rPr>
               <a:t>Операторы цикла:</a:t>
             </a:r>
@@ -7587,7 +6079,7 @@
             </a:endParaRPr>
           </a:p>
           <a:p>
-            <a:pPr lvl="1" marL="432000" indent="-216000">
+            <a:pPr lvl="1" marL="432000" indent="-215640">
               <a:lnSpc>
                 <a:spcPct val="100000"/>
               </a:lnSpc>
@@ -7600,6 +6092,9 @@
               <a:buSzPct val="45000"/>
               <a:buFont typeface="Wingdings" charset="2"/>
               <a:buChar char=""/>
+              <a:tabLst>
+                <a:tab algn="l" pos="408240"/>
+              </a:tabLst>
             </a:pPr>
             <a:r>
               <a:rPr b="1" lang="ru-RU" sz="1600" spc="-1" strike="noStrike">
@@ -7607,6 +6102,7 @@
                   <a:srgbClr val="000000"/>
                 </a:solidFill>
                 <a:latin typeface="Arial"/>
+                <a:ea typeface="DejaVu Sans"/>
               </a:rPr>
               <a:t>While</a:t>
             </a:r>
@@ -7616,6 +6112,7 @@
                   <a:srgbClr val="000000"/>
                 </a:solidFill>
                 <a:latin typeface="Arial"/>
+                <a:ea typeface="DejaVu Sans"/>
               </a:rPr>
               <a:t>	</a:t>
             </a:r>
@@ -7624,7 +6121,7 @@
             </a:endParaRPr>
           </a:p>
           <a:p>
-            <a:pPr lvl="1" marL="432000" indent="-216000">
+            <a:pPr lvl="1" marL="432000" indent="-215640">
               <a:lnSpc>
                 <a:spcPct val="100000"/>
               </a:lnSpc>
@@ -7637,6 +6134,9 @@
               <a:buSzPct val="45000"/>
               <a:buFont typeface="Wingdings" charset="2"/>
               <a:buChar char=""/>
+              <a:tabLst>
+                <a:tab algn="l" pos="408240"/>
+              </a:tabLst>
             </a:pPr>
             <a:r>
               <a:rPr b="1" lang="ru-RU" sz="1600" spc="-1" strike="noStrike">
@@ -7644,6 +6144,7 @@
                   <a:srgbClr val="000000"/>
                 </a:solidFill>
                 <a:latin typeface="Arial"/>
+                <a:ea typeface="DejaVu Sans"/>
               </a:rPr>
               <a:t>for</a:t>
             </a:r>
@@ -7652,7 +6153,7 @@
             </a:endParaRPr>
           </a:p>
           <a:p>
-            <a:pPr marL="447840" indent="-447120">
+            <a:pPr marL="447840" indent="-446760">
               <a:lnSpc>
                 <a:spcPct val="100000"/>
               </a:lnSpc>
@@ -7664,6 +6165,9 @@
               </a:buClr>
               <a:buFont typeface="Calibri"/>
               <a:buAutoNum type="arabicPeriod"/>
+              <a:tabLst>
+                <a:tab algn="l" pos="408240"/>
+              </a:tabLst>
             </a:pPr>
             <a:r>
               <a:rPr b="0" i="1" lang="ru-RU" sz="1600" spc="-1" strike="noStrike">
@@ -7671,6 +6175,7 @@
                   <a:srgbClr val="000000"/>
                 </a:solidFill>
                 <a:latin typeface="Arial"/>
+                <a:ea typeface="DejaVu Sans"/>
               </a:rPr>
               <a:t>Операторы перехода: </a:t>
             </a:r>
@@ -7679,7 +6184,7 @@
             </a:endParaRPr>
           </a:p>
           <a:p>
-            <a:pPr lvl="1" marL="432000" indent="-216000">
+            <a:pPr lvl="1" marL="432000" indent="-215640">
               <a:lnSpc>
                 <a:spcPct val="100000"/>
               </a:lnSpc>
@@ -7692,6 +6197,9 @@
               <a:buSzPct val="45000"/>
               <a:buFont typeface="Wingdings" charset="2"/>
               <a:buChar char=""/>
+              <a:tabLst>
+                <a:tab algn="l" pos="408240"/>
+              </a:tabLst>
             </a:pPr>
             <a:r>
               <a:rPr b="1" lang="ru-RU" sz="1600" spc="-1" strike="noStrike">
@@ -7699,6 +6207,7 @@
                   <a:srgbClr val="000000"/>
                 </a:solidFill>
                 <a:latin typeface="Arial"/>
+                <a:ea typeface="DejaVu Sans"/>
               </a:rPr>
               <a:t>Break</a:t>
             </a:r>
@@ -7707,7 +6216,7 @@
             </a:endParaRPr>
           </a:p>
           <a:p>
-            <a:pPr lvl="1" marL="432000" indent="-216000">
+            <a:pPr lvl="1" marL="432000" indent="-215640">
               <a:lnSpc>
                 <a:spcPct val="100000"/>
               </a:lnSpc>
@@ -7720,6 +6229,9 @@
               <a:buSzPct val="45000"/>
               <a:buFont typeface="Wingdings" charset="2"/>
               <a:buChar char=""/>
+              <a:tabLst>
+                <a:tab algn="l" pos="408240"/>
+              </a:tabLst>
             </a:pPr>
             <a:r>
               <a:rPr b="1" lang="ru-RU" sz="1600" spc="-1" strike="noStrike">
@@ -7727,6 +6239,7 @@
                   <a:srgbClr val="000000"/>
                 </a:solidFill>
                 <a:latin typeface="Arial"/>
+                <a:ea typeface="DejaVu Sans"/>
               </a:rPr>
               <a:t>Continue</a:t>
             </a:r>
@@ -7735,7 +6248,7 @@
             </a:endParaRPr>
           </a:p>
           <a:p>
-            <a:pPr lvl="1" marL="432000" indent="-216000">
+            <a:pPr lvl="1" marL="432000" indent="-215640">
               <a:lnSpc>
                 <a:spcPct val="100000"/>
               </a:lnSpc>
@@ -7748,6 +6261,9 @@
               <a:buSzPct val="45000"/>
               <a:buFont typeface="Wingdings" charset="2"/>
               <a:buChar char=""/>
+              <a:tabLst>
+                <a:tab algn="l" pos="408240"/>
+              </a:tabLst>
             </a:pPr>
             <a:r>
               <a:rPr b="1" lang="ru-RU" sz="1600" spc="-1" strike="noStrike">
@@ -7755,6 +6271,7 @@
                   <a:srgbClr val="000000"/>
                 </a:solidFill>
                 <a:latin typeface="Arial"/>
+                <a:ea typeface="DejaVu Sans"/>
               </a:rPr>
               <a:t>Return</a:t>
             </a:r>
@@ -7796,14 +6313,14 @@
       </p:grpSpPr>
       <p:sp>
         <p:nvSpPr>
-          <p:cNvPr id="82" name="CustomShape 1"/>
+          <p:cNvPr id="44" name="CustomShape 1"/>
           <p:cNvSpPr/>
           <p:nvPr/>
         </p:nvSpPr>
         <p:spPr>
           <a:xfrm>
             <a:off x="457200" y="274680"/>
-            <a:ext cx="8228880" cy="715320"/>
+            <a:ext cx="8228520" cy="714960"/>
           </a:xfrm>
           <a:prstGeom prst="rect">
             <a:avLst/>
@@ -7857,14 +6374,14 @@
       </p:sp>
       <p:sp>
         <p:nvSpPr>
-          <p:cNvPr id="83" name="CustomShape 2"/>
+          <p:cNvPr id="45" name="CustomShape 2"/>
           <p:cNvSpPr/>
           <p:nvPr/>
         </p:nvSpPr>
         <p:spPr>
           <a:xfrm>
             <a:off x="914400" y="1219320"/>
-            <a:ext cx="7314480" cy="4799880"/>
+            <a:ext cx="7314120" cy="4799520"/>
           </a:xfrm>
           <a:prstGeom prst="rect">
             <a:avLst/>
@@ -7885,7 +6402,7 @@
             <a:noAutofit/>
           </a:bodyPr>
           <a:p>
-            <a:pPr marL="285840" indent="-285120">
+            <a:pPr marL="285840" indent="-284760">
               <a:lnSpc>
                 <a:spcPct val="100000"/>
               </a:lnSpc>
@@ -7902,6 +6419,7 @@
                   <a:srgbClr val="000000"/>
                 </a:solidFill>
                 <a:latin typeface="Arial"/>
+                <a:ea typeface="DejaVu Sans"/>
               </a:rPr>
               <a:t>Оператор </a:t>
             </a:r>
@@ -7911,6 +6429,7 @@
                   <a:srgbClr val="000000"/>
                 </a:solidFill>
                 <a:latin typeface="Arial"/>
+                <a:ea typeface="DejaVu Sans"/>
               </a:rPr>
               <a:t>if</a:t>
             </a:r>
@@ -7920,6 +6439,7 @@
                   <a:srgbClr val="000000"/>
                 </a:solidFill>
                 <a:latin typeface="Arial"/>
+                <a:ea typeface="DejaVu Sans"/>
               </a:rPr>
               <a:t>:</a:t>
             </a:r>
@@ -7928,7 +6448,7 @@
             </a:endParaRPr>
           </a:p>
           <a:p>
-            <a:pPr marL="285840" indent="-285120">
+            <a:pPr marL="285840" indent="-284760">
               <a:lnSpc>
                 <a:spcPct val="100000"/>
               </a:lnSpc>
@@ -7944,7 +6464,7 @@
             </a:endParaRPr>
           </a:p>
           <a:p>
-            <a:pPr marL="284400" algn="just">
+            <a:pPr marL="284400" indent="-284760" algn="just">
               <a:lnSpc>
                 <a:spcPct val="100000"/>
               </a:lnSpc>
@@ -7961,6 +6481,7 @@
                   <a:srgbClr val="000000"/>
                 </a:solidFill>
                 <a:latin typeface="Arial"/>
+                <a:ea typeface="DejaVu Sans"/>
               </a:rPr>
               <a:t>Позволяет условное выполнение оператора или условный выбор из нескольких операторов, выполняя один или другой, но не все сразу.</a:t>
             </a:r>
@@ -7969,7 +6490,7 @@
             </a:endParaRPr>
           </a:p>
           <a:p>
-            <a:pPr marL="285840" indent="-285120">
+            <a:pPr marL="285840" indent="-284760">
               <a:lnSpc>
                 <a:spcPct val="100000"/>
               </a:lnSpc>
@@ -7985,7 +6506,7 @@
             </a:endParaRPr>
           </a:p>
           <a:p>
-            <a:pPr marL="285840" indent="-285120">
+            <a:pPr marL="285840" indent="-284760">
               <a:lnSpc>
                 <a:spcPct val="100000"/>
               </a:lnSpc>
@@ -8001,7 +6522,7 @@
             </a:endParaRPr>
           </a:p>
           <a:p>
-            <a:pPr marL="285840" indent="-285120">
+            <a:pPr marL="285840" indent="-284760">
               <a:lnSpc>
                 <a:spcPct val="100000"/>
               </a:lnSpc>
@@ -8017,7 +6538,7 @@
             </a:endParaRPr>
           </a:p>
           <a:p>
-            <a:pPr marL="285840" indent="-285120">
+            <a:pPr marL="285840" indent="-284760">
               <a:lnSpc>
                 <a:spcPct val="100000"/>
               </a:lnSpc>
@@ -8036,14 +6557,14 @@
       </p:sp>
       <p:sp>
         <p:nvSpPr>
-          <p:cNvPr id="84" name="CustomShape 3"/>
+          <p:cNvPr id="46" name="CustomShape 3"/>
           <p:cNvSpPr/>
           <p:nvPr/>
         </p:nvSpPr>
         <p:spPr>
           <a:xfrm>
             <a:off x="1260000" y="2833560"/>
-            <a:ext cx="6500160" cy="1666440"/>
+            <a:ext cx="6499800" cy="1666440"/>
           </a:xfrm>
           <a:prstGeom prst="rect">
             <a:avLst/>
@@ -8321,14 +6842,14 @@
       </p:sp>
       <p:sp>
         <p:nvSpPr>
-          <p:cNvPr id="85" name="CustomShape 4"/>
+          <p:cNvPr id="47" name="CustomShape 4"/>
           <p:cNvSpPr/>
           <p:nvPr/>
         </p:nvSpPr>
         <p:spPr>
           <a:xfrm>
             <a:off x="3960000" y="4600080"/>
-            <a:ext cx="4392720" cy="1339920"/>
+            <a:ext cx="4392360" cy="1339560"/>
           </a:xfrm>
           <a:custGeom>
             <a:avLst/>
@@ -8545,14 +7066,14 @@
       </p:sp>
       <p:sp>
         <p:nvSpPr>
-          <p:cNvPr id="86" name="TextShape 5"/>
-          <p:cNvSpPr txBox="1"/>
+          <p:cNvPr id="48" name="CustomShape 5"/>
+          <p:cNvSpPr/>
           <p:nvPr/>
         </p:nvSpPr>
         <p:spPr>
           <a:xfrm>
             <a:off x="2340000" y="5545800"/>
-            <a:ext cx="3060000" cy="1114200"/>
+            <a:ext cx="3059640" cy="1113840"/>
           </a:xfrm>
           <a:prstGeom prst="rect">
             <a:avLst/>
@@ -8562,11 +7083,22 @@
             <a:noFill/>
           </a:ln>
         </p:spPr>
+        <p:style>
+          <a:lnRef idx="0"/>
+          <a:fillRef idx="0"/>
+          <a:effectRef idx="0"/>
+          <a:fontRef idx="minor"/>
+        </p:style>
         <p:txBody>
           <a:bodyPr lIns="90000" rIns="90000" tIns="45000" bIns="45000">
             <a:noAutofit/>
           </a:bodyPr>
           <a:p>
+            <a:pPr>
+              <a:lnSpc>
+                <a:spcPct val="100000"/>
+              </a:lnSpc>
+            </a:pPr>
             <a:r>
               <a:rPr b="0" lang="ru-RU" sz="1800" spc="-1" strike="noStrike">
                 <a:latin typeface="Arial"/>
@@ -8578,11 +7110,21 @@
             </a:endParaRPr>
           </a:p>
           <a:p>
+            <a:pPr>
+              <a:lnSpc>
+                <a:spcPct val="100000"/>
+              </a:lnSpc>
+            </a:pPr>
             <a:endParaRPr b="0" lang="ru-RU" sz="1800" spc="-1" strike="noStrike">
               <a:latin typeface="Arial"/>
             </a:endParaRPr>
           </a:p>
           <a:p>
+            <a:pPr>
+              <a:lnSpc>
+                <a:spcPct val="100000"/>
+              </a:lnSpc>
+            </a:pPr>
             <a:r>
               <a:rPr b="1" lang="ru-RU" sz="1800" spc="-1" strike="noStrike">
                 <a:latin typeface="Courier New"/>
@@ -8627,14 +7169,14 @@
       </p:grpSpPr>
       <p:sp>
         <p:nvSpPr>
-          <p:cNvPr id="87" name="CustomShape 1"/>
+          <p:cNvPr id="49" name="CustomShape 1"/>
           <p:cNvSpPr/>
           <p:nvPr/>
         </p:nvSpPr>
         <p:spPr>
           <a:xfrm>
             <a:off x="457200" y="274680"/>
-            <a:ext cx="8228880" cy="715320"/>
+            <a:ext cx="8228520" cy="714960"/>
           </a:xfrm>
           <a:prstGeom prst="rect">
             <a:avLst/>
@@ -8678,14 +7220,14 @@
       </p:sp>
       <p:sp>
         <p:nvSpPr>
-          <p:cNvPr id="88" name="CustomShape 2"/>
+          <p:cNvPr id="50" name="CustomShape 2"/>
           <p:cNvSpPr/>
           <p:nvPr/>
         </p:nvSpPr>
         <p:spPr>
           <a:xfrm>
             <a:off x="914400" y="1219320"/>
-            <a:ext cx="7314480" cy="4799880"/>
+            <a:ext cx="7314120" cy="4799520"/>
           </a:xfrm>
           <a:prstGeom prst="rect">
             <a:avLst/>
@@ -8706,7 +7248,7 @@
             <a:noAutofit/>
           </a:bodyPr>
           <a:p>
-            <a:pPr marL="285840" indent="-285120">
+            <a:pPr marL="285840" indent="-284760">
               <a:lnSpc>
                 <a:spcPct val="100000"/>
               </a:lnSpc>
@@ -8722,7 +7264,7 @@
             </a:endParaRPr>
           </a:p>
           <a:p>
-            <a:pPr marL="284400" algn="just">
+            <a:pPr marL="284400" indent="-284760" algn="just">
               <a:lnSpc>
                 <a:spcPct val="100000"/>
               </a:lnSpc>
@@ -8739,6 +7281,7 @@
                   <a:srgbClr val="000000"/>
                 </a:solidFill>
                 <a:latin typeface="Arial"/>
+                <a:ea typeface="DejaVu Sans"/>
               </a:rPr>
               <a:t>Тернарный оператор оценивает условие теста и выполняет блок кода на основе результата условия.</a:t>
             </a:r>
@@ -8747,7 +7290,7 @@
             </a:endParaRPr>
           </a:p>
           <a:p>
-            <a:pPr marL="285840" indent="-285120">
+            <a:pPr marL="285840" indent="-284760">
               <a:lnSpc>
                 <a:spcPct val="100000"/>
               </a:lnSpc>
@@ -8763,7 +7306,7 @@
             </a:endParaRPr>
           </a:p>
           <a:p>
-            <a:pPr marL="285840" indent="-285120">
+            <a:pPr marL="285840" indent="-284760">
               <a:lnSpc>
                 <a:spcPct val="100000"/>
               </a:lnSpc>
@@ -8779,7 +7322,7 @@
             </a:endParaRPr>
           </a:p>
           <a:p>
-            <a:pPr marL="285840" indent="-285120">
+            <a:pPr marL="285840" indent="-284760">
               <a:lnSpc>
                 <a:spcPct val="100000"/>
               </a:lnSpc>
@@ -8795,7 +7338,7 @@
             </a:endParaRPr>
           </a:p>
           <a:p>
-            <a:pPr marL="285840" indent="-285120">
+            <a:pPr marL="285840" indent="-284760">
               <a:lnSpc>
                 <a:spcPct val="100000"/>
               </a:lnSpc>
@@ -8814,14 +7357,14 @@
       </p:sp>
       <p:sp>
         <p:nvSpPr>
-          <p:cNvPr id="89" name="CustomShape 3"/>
+          <p:cNvPr id="51" name="CustomShape 3"/>
           <p:cNvSpPr/>
           <p:nvPr/>
         </p:nvSpPr>
         <p:spPr>
           <a:xfrm>
             <a:off x="1428840" y="3000240"/>
-            <a:ext cx="7211160" cy="405720"/>
+            <a:ext cx="7210800" cy="405360"/>
           </a:xfrm>
           <a:prstGeom prst="rect">
             <a:avLst/>
@@ -8889,17 +7432,7 @@
                 <a:latin typeface="Courier New"/>
                 <a:ea typeface="Calibri"/>
               </a:rPr>
-              <a:t>} : </a:t>
-            </a:r>
-            <a:r>
-              <a:rPr b="0" lang="ru-RU" sz="1800" spc="-1" strike="noStrike">
-                <a:solidFill>
-                  <a:srgbClr val="000000"/>
-                </a:solidFill>
-                <a:latin typeface="Courier New"/>
-                <a:ea typeface="Calibri"/>
-              </a:rPr>
-              <a:t>{ </a:t>
+              <a:t>} : { </a:t>
             </a:r>
             <a:r>
               <a:rPr b="0" lang="ru-RU" sz="1800" spc="-1" strike="noStrike">
@@ -8929,14 +7462,14 @@
       </p:sp>
       <p:sp>
         <p:nvSpPr>
-          <p:cNvPr id="90" name="CustomShape 4"/>
+          <p:cNvPr id="52" name="CustomShape 4"/>
           <p:cNvSpPr/>
           <p:nvPr/>
         </p:nvSpPr>
         <p:spPr>
           <a:xfrm>
             <a:off x="3600000" y="4523400"/>
-            <a:ext cx="4392720" cy="336600"/>
+            <a:ext cx="4392360" cy="336600"/>
           </a:xfrm>
           <a:custGeom>
             <a:avLst/>
@@ -8982,7 +7515,11 @@
             <a:spAutoFit/>
           </a:bodyPr>
           <a:p>
-            <a:pPr algn="ctr"/>
+            <a:pPr algn="ctr">
+              <a:lnSpc>
+                <a:spcPct val="100000"/>
+              </a:lnSpc>
+            </a:pPr>
             <a:r>
               <a:rPr b="1" lang="en-US" sz="1600" spc="-1" strike="noStrike">
                 <a:solidFill>
@@ -9091,14 +7628,14 @@
       </p:sp>
       <p:sp>
         <p:nvSpPr>
-          <p:cNvPr id="91" name="TextShape 5"/>
-          <p:cNvSpPr txBox="1"/>
+          <p:cNvPr id="53" name="CustomShape 5"/>
+          <p:cNvSpPr/>
           <p:nvPr/>
         </p:nvSpPr>
         <p:spPr>
           <a:xfrm>
             <a:off x="1440000" y="4465800"/>
-            <a:ext cx="3060000" cy="1114200"/>
+            <a:ext cx="3059640" cy="1113840"/>
           </a:xfrm>
           <a:prstGeom prst="rect">
             <a:avLst/>
@@ -9108,11 +7645,22 @@
             <a:noFill/>
           </a:ln>
         </p:spPr>
+        <p:style>
+          <a:lnRef idx="0"/>
+          <a:fillRef idx="0"/>
+          <a:effectRef idx="0"/>
+          <a:fontRef idx="minor"/>
+        </p:style>
         <p:txBody>
           <a:bodyPr lIns="90000" rIns="90000" tIns="45000" bIns="45000">
             <a:noAutofit/>
           </a:bodyPr>
           <a:p>
+            <a:pPr>
+              <a:lnSpc>
+                <a:spcPct val="100000"/>
+              </a:lnSpc>
+            </a:pPr>
             <a:r>
               <a:rPr b="0" lang="ru-RU" sz="1800" spc="-1" strike="noStrike">
                 <a:latin typeface="Arial"/>
@@ -9124,11 +7672,21 @@
             </a:endParaRPr>
           </a:p>
           <a:p>
+            <a:pPr>
+              <a:lnSpc>
+                <a:spcPct val="100000"/>
+              </a:lnSpc>
+            </a:pPr>
             <a:endParaRPr b="0" lang="ru-RU" sz="1800" spc="-1" strike="noStrike">
               <a:latin typeface="Arial"/>
             </a:endParaRPr>
           </a:p>
           <a:p>
+            <a:pPr>
+              <a:lnSpc>
+                <a:spcPct val="100000"/>
+              </a:lnSpc>
+            </a:pPr>
             <a:r>
               <a:rPr b="1" lang="ru-RU" sz="1800" spc="-1" strike="noStrike">
                 <a:latin typeface="Courier New"/>
@@ -9173,14 +7731,14 @@
       </p:grpSpPr>
       <p:sp>
         <p:nvSpPr>
-          <p:cNvPr id="92" name="CustomShape 1"/>
+          <p:cNvPr id="54" name="CustomShape 1"/>
           <p:cNvSpPr/>
           <p:nvPr/>
         </p:nvSpPr>
         <p:spPr>
           <a:xfrm>
             <a:off x="457200" y="274680"/>
-            <a:ext cx="8228880" cy="715320"/>
+            <a:ext cx="8228520" cy="714960"/>
           </a:xfrm>
           <a:prstGeom prst="rect">
             <a:avLst/>
@@ -9224,14 +7782,14 @@
       </p:sp>
       <p:sp>
         <p:nvSpPr>
-          <p:cNvPr id="93" name="CustomShape 2"/>
+          <p:cNvPr id="55" name="CustomShape 2"/>
           <p:cNvSpPr/>
           <p:nvPr/>
         </p:nvSpPr>
         <p:spPr>
           <a:xfrm>
             <a:off x="914400" y="1219320"/>
-            <a:ext cx="7314480" cy="4799880"/>
+            <a:ext cx="7314120" cy="4799520"/>
           </a:xfrm>
           <a:prstGeom prst="rect">
             <a:avLst/>
@@ -9252,7 +7810,7 @@
             <a:noAutofit/>
           </a:bodyPr>
           <a:p>
-            <a:pPr marL="285840" indent="-285120">
+            <a:pPr marL="285840" indent="-284760">
               <a:lnSpc>
                 <a:spcPct val="100000"/>
               </a:lnSpc>
@@ -9269,6 +7827,7 @@
                   <a:srgbClr val="000000"/>
                 </a:solidFill>
                 <a:latin typeface="Arial"/>
+                <a:ea typeface="DejaVu Sans"/>
               </a:rPr>
               <a:t>Оператор </a:t>
             </a:r>
@@ -9278,6 +7837,7 @@
                   <a:srgbClr val="000000"/>
                 </a:solidFill>
                 <a:latin typeface="Arial"/>
+                <a:ea typeface="DejaVu Sans"/>
               </a:rPr>
               <a:t>switch</a:t>
             </a:r>
@@ -9287,6 +7847,7 @@
                   <a:srgbClr val="6b0d0d"/>
                 </a:solidFill>
                 <a:latin typeface="Arial"/>
+                <a:ea typeface="DejaVu Sans"/>
               </a:rPr>
               <a:t>:</a:t>
             </a:r>
@@ -9295,7 +7856,7 @@
             </a:endParaRPr>
           </a:p>
           <a:p>
-            <a:pPr marL="285840" indent="-285120">
+            <a:pPr marL="285840" indent="-284760">
               <a:lnSpc>
                 <a:spcPct val="100000"/>
               </a:lnSpc>
@@ -9311,7 +7872,7 @@
             </a:endParaRPr>
           </a:p>
           <a:p>
-            <a:pPr marL="285840" indent="-285120" algn="just">
+            <a:pPr marL="285840" indent="-284760" algn="just">
               <a:lnSpc>
                 <a:spcPct val="100000"/>
               </a:lnSpc>
@@ -9328,6 +7889,7 @@
                   <a:srgbClr val="000000"/>
                 </a:solidFill>
                 <a:latin typeface="Arial"/>
+                <a:ea typeface="DejaVu Sans"/>
               </a:rPr>
               <a:t>Оператор </a:t>
             </a:r>
@@ -9337,6 +7899,7 @@
                   <a:srgbClr val="000000"/>
                 </a:solidFill>
                 <a:latin typeface="Arial"/>
+                <a:ea typeface="DejaVu Sans"/>
               </a:rPr>
               <a:t>switch</a:t>
             </a:r>
@@ -9346,6 +7909,7 @@
                   <a:srgbClr val="000000"/>
                 </a:solidFill>
                 <a:latin typeface="Arial"/>
+                <a:ea typeface="DejaVu Sans"/>
               </a:rPr>
               <a:t> передает управление одному из нескольких</a:t>
             </a:r>
@@ -9355,6 +7919,7 @@
                   <a:srgbClr val="000000"/>
                 </a:solidFill>
                 <a:latin typeface="Arial"/>
+                <a:ea typeface="DejaVu Sans"/>
               </a:rPr>
               <a:t> </a:t>
             </a:r>
@@ -9364,6 +7929,7 @@
                   <a:srgbClr val="000000"/>
                 </a:solidFill>
                 <a:latin typeface="Arial"/>
+                <a:ea typeface="DejaVu Sans"/>
               </a:rPr>
               <a:t>операторов в зависимости от  значения выражения. </a:t>
             </a:r>
@@ -9372,7 +7938,7 @@
             </a:endParaRPr>
           </a:p>
           <a:p>
-            <a:pPr marL="285840" indent="-285120">
+            <a:pPr marL="285840" indent="-284760">
               <a:lnSpc>
                 <a:spcPct val="100000"/>
               </a:lnSpc>
@@ -9391,14 +7957,14 @@
       </p:sp>
       <p:sp>
         <p:nvSpPr>
-          <p:cNvPr id="94" name="CustomShape 3"/>
+          <p:cNvPr id="56" name="CustomShape 3"/>
           <p:cNvSpPr/>
           <p:nvPr/>
         </p:nvSpPr>
         <p:spPr>
           <a:xfrm>
             <a:off x="1080000" y="2786040"/>
-            <a:ext cx="7559640" cy="2048040"/>
+            <a:ext cx="7559280" cy="2047680"/>
           </a:xfrm>
           <a:prstGeom prst="rect">
             <a:avLst/>
@@ -9846,14 +8412,14 @@
       </p:grpSpPr>
       <p:sp>
         <p:nvSpPr>
-          <p:cNvPr id="95" name="CustomShape 1"/>
+          <p:cNvPr id="57" name="CustomShape 1"/>
           <p:cNvSpPr/>
           <p:nvPr/>
         </p:nvSpPr>
         <p:spPr>
           <a:xfrm>
             <a:off x="457200" y="274680"/>
-            <a:ext cx="8228880" cy="715320"/>
+            <a:ext cx="8228520" cy="714960"/>
           </a:xfrm>
           <a:prstGeom prst="rect">
             <a:avLst/>
@@ -9897,14 +8463,14 @@
       </p:sp>
       <p:sp>
         <p:nvSpPr>
-          <p:cNvPr id="96" name="CustomShape 2"/>
+          <p:cNvPr id="58" name="CustomShape 2"/>
           <p:cNvSpPr/>
           <p:nvPr/>
         </p:nvSpPr>
         <p:spPr>
           <a:xfrm>
-            <a:off x="319680" y="1080000"/>
-            <a:ext cx="5152320" cy="4779360"/>
+            <a:off x="319680" y="1050120"/>
+            <a:ext cx="5151960" cy="4839120"/>
           </a:xfrm>
           <a:prstGeom prst="rect">
             <a:avLst/>
@@ -9958,27 +8524,7 @@
                 <a:latin typeface="Courier New"/>
                 <a:ea typeface="Calibri"/>
               </a:rPr>
-              <a:t> </a:t>
-            </a:r>
-            <a:r>
-              <a:rPr b="0" lang="en-US" sz="1400" spc="-1" strike="noStrike">
-                <a:solidFill>
-                  <a:srgbClr val="000000"/>
-                </a:solidFill>
-                <a:latin typeface="Courier New"/>
-                <a:ea typeface="Calibri"/>
-              </a:rPr>
-              <a:t>ru.javalang.mod</a:t>
-            </a:r>
-            <a:r>
-              <a:rPr b="0" lang="en-US" sz="1400" spc="-1" strike="noStrike">
-                <a:solidFill>
-                  <a:srgbClr val="000000"/>
-                </a:solidFill>
-                <a:latin typeface="Courier New"/>
-                <a:ea typeface="Calibri"/>
-              </a:rPr>
-              <a:t>ule03;</a:t>
+              <a:t> ru.javalang.module03;</a:t>
             </a:r>
             <a:endParaRPr b="0" lang="ru-RU" sz="1400" spc="-1" strike="noStrike">
               <a:latin typeface="Arial"/>
@@ -10044,17 +8590,7 @@
                 <a:latin typeface="Courier New"/>
                 <a:ea typeface="Calibri"/>
               </a:rPr>
-              <a:t> </a:t>
-            </a:r>
-            <a:r>
-              <a:rPr b="0" lang="en-US" sz="1400" spc="-1" strike="noStrike">
-                <a:solidFill>
-                  <a:srgbClr val="000000"/>
-                </a:solidFill>
-                <a:latin typeface="Courier New"/>
-                <a:ea typeface="Calibri"/>
-              </a:rPr>
-              <a:t>Sample305 {</a:t>
+              <a:t> Sample305 {</a:t>
             </a:r>
             <a:endParaRPr b="0" lang="ru-RU" sz="1400" spc="-1" strike="noStrike">
               <a:latin typeface="Arial"/>
@@ -10137,27 +8673,7 @@
                 <a:latin typeface="Courier New"/>
                 <a:ea typeface="Calibri"/>
               </a:rPr>
-              <a:t> </a:t>
-            </a:r>
-            <a:r>
-              <a:rPr b="0" lang="en-US" sz="1400" spc="-1" strike="noStrike">
-                <a:solidFill>
-                  <a:srgbClr val="000000"/>
-                </a:solidFill>
-                <a:latin typeface="Courier New"/>
-                <a:ea typeface="Calibri"/>
-              </a:rPr>
-              <a:t>main(String[] </a:t>
-            </a:r>
-            <a:r>
-              <a:rPr b="0" lang="en-US" sz="1400" spc="-1" strike="noStrike">
-                <a:solidFill>
-                  <a:srgbClr val="000000"/>
-                </a:solidFill>
-                <a:latin typeface="Courier New"/>
-                <a:ea typeface="Calibri"/>
-              </a:rPr>
-              <a:t>args) {</a:t>
+              <a:t> main(String[] args) {</a:t>
             </a:r>
             <a:endParaRPr b="0" lang="ru-RU" sz="1400" spc="-1" strike="noStrike">
               <a:latin typeface="Arial"/>
@@ -10270,17 +8786,7 @@
                 <a:latin typeface="JetBrains Mono"/>
                 <a:ea typeface="JetBrains Mono"/>
               </a:rPr>
-              <a:t>i</a:t>
-            </a:r>
-            <a:r>
-              <a:rPr b="0" i="1" lang="en-US" sz="1400" spc="-1" strike="noStrike">
-                <a:solidFill>
-                  <a:srgbClr val="871094"/>
-                </a:solidFill>
-                <a:latin typeface="JetBrains Mono"/>
-                <a:ea typeface="JetBrains Mono"/>
-              </a:rPr>
-              <a:t>n</a:t>
+              <a:t>in</a:t>
             </a:r>
             <a:r>
               <a:rPr b="0" lang="en-US" sz="1400" spc="-1" strike="noStrike">
@@ -10619,17 +9125,292 @@
                 <a:latin typeface="JetBrains Mono"/>
                 <a:ea typeface="JetBrains Mono"/>
               </a:rPr>
+              <a:t>        season = </a:t>
+            </a:r>
+            <a:r>
+              <a:rPr b="0" lang="en-US" sz="1400" spc="-1" strike="noStrike">
+                <a:solidFill>
+                  <a:srgbClr val="067d17"/>
+                </a:solidFill>
+                <a:latin typeface="JetBrains Mono"/>
+                <a:ea typeface="JetBrains Mono"/>
+              </a:rPr>
+              <a:t>"зима"</a:t>
+            </a:r>
+            <a:r>
+              <a:rPr b="0" lang="en-US" sz="1400" spc="-1" strike="noStrike">
+                <a:solidFill>
+                  <a:srgbClr val="080808"/>
+                </a:solidFill>
+                <a:latin typeface="JetBrains Mono"/>
+                <a:ea typeface="JetBrains Mono"/>
+              </a:rPr>
+              <a:t>;</a:t>
+            </a:r>
+            <a:br/>
+            <a:r>
+              <a:rPr b="0" lang="en-US" sz="1400" spc="-1" strike="noStrike">
+                <a:solidFill>
+                  <a:srgbClr val="080808"/>
+                </a:solidFill>
+                <a:latin typeface="JetBrains Mono"/>
+                <a:ea typeface="JetBrains Mono"/>
+              </a:rPr>
+              <a:t>	</a:t>
+            </a:r>
+            <a:r>
+              <a:rPr b="0" lang="en-US" sz="1400" spc="-1" strike="noStrike">
+                <a:solidFill>
+                  <a:srgbClr val="080808"/>
+                </a:solidFill>
+                <a:latin typeface="JetBrains Mono"/>
+                <a:ea typeface="JetBrains Mono"/>
+              </a:rPr>
+              <a:t>	</a:t>
+            </a:r>
+            <a:r>
+              <a:rPr b="0" lang="en-US" sz="1400" spc="-1" strike="noStrike">
+                <a:solidFill>
+                  <a:srgbClr val="080808"/>
+                </a:solidFill>
+                <a:latin typeface="JetBrains Mono"/>
+                <a:ea typeface="JetBrains Mono"/>
+              </a:rPr>
               <a:t>        </a:t>
             </a:r>
             <a:r>
               <a:rPr b="0" lang="en-US" sz="1400" spc="-1" strike="noStrike">
                 <a:solidFill>
-                  <a:srgbClr val="080808"/>
-                </a:solidFill>
-                <a:latin typeface="JetBrains Mono"/>
-                <a:ea typeface="JetBrains Mono"/>
-              </a:rPr>
-              <a:t>season = </a:t>
+                  <a:srgbClr val="0033b3"/>
+                </a:solidFill>
+                <a:latin typeface="JetBrains Mono"/>
+                <a:ea typeface="JetBrains Mono"/>
+              </a:rPr>
+              <a:t>break</a:t>
+            </a:r>
+            <a:r>
+              <a:rPr b="0" lang="en-US" sz="1400" spc="-1" strike="noStrike">
+                <a:solidFill>
+                  <a:srgbClr val="080808"/>
+                </a:solidFill>
+                <a:latin typeface="JetBrains Mono"/>
+                <a:ea typeface="JetBrains Mono"/>
+              </a:rPr>
+              <a:t>;</a:t>
+            </a:r>
+            <a:br/>
+            <a:r>
+              <a:rPr b="0" lang="en-US" sz="1400" spc="-1" strike="noStrike">
+                <a:solidFill>
+                  <a:srgbClr val="080808"/>
+                </a:solidFill>
+                <a:latin typeface="JetBrains Mono"/>
+                <a:ea typeface="JetBrains Mono"/>
+              </a:rPr>
+              <a:t>	</a:t>
+            </a:r>
+            <a:r>
+              <a:rPr b="0" lang="en-US" sz="1400" spc="-1" strike="noStrike">
+                <a:solidFill>
+                  <a:srgbClr val="080808"/>
+                </a:solidFill>
+                <a:latin typeface="JetBrains Mono"/>
+                <a:ea typeface="JetBrains Mono"/>
+              </a:rPr>
+              <a:t>	</a:t>
+            </a:r>
+            <a:r>
+              <a:rPr b="0" lang="en-US" sz="1400" spc="-1" strike="noStrike">
+                <a:solidFill>
+                  <a:srgbClr val="080808"/>
+                </a:solidFill>
+                <a:latin typeface="JetBrains Mono"/>
+                <a:ea typeface="JetBrains Mono"/>
+              </a:rPr>
+              <a:t>    </a:t>
+            </a:r>
+            <a:r>
+              <a:rPr b="0" lang="en-US" sz="1400" spc="-1" strike="noStrike">
+                <a:solidFill>
+                  <a:srgbClr val="0033b3"/>
+                </a:solidFill>
+                <a:latin typeface="JetBrains Mono"/>
+                <a:ea typeface="JetBrains Mono"/>
+              </a:rPr>
+              <a:t>case </a:t>
+            </a:r>
+            <a:r>
+              <a:rPr b="0" lang="en-US" sz="1400" spc="-1" strike="noStrike">
+                <a:solidFill>
+                  <a:srgbClr val="1750eb"/>
+                </a:solidFill>
+                <a:latin typeface="JetBrains Mono"/>
+                <a:ea typeface="JetBrains Mono"/>
+              </a:rPr>
+              <a:t>3</a:t>
+            </a:r>
+            <a:r>
+              <a:rPr b="0" lang="en-US" sz="1400" spc="-1" strike="noStrike">
+                <a:solidFill>
+                  <a:srgbClr val="080808"/>
+                </a:solidFill>
+                <a:latin typeface="JetBrains Mono"/>
+                <a:ea typeface="JetBrains Mono"/>
+              </a:rPr>
+              <a:t>:</a:t>
+            </a:r>
+            <a:br/>
+            <a:r>
+              <a:rPr b="0" lang="en-US" sz="1400" spc="-1" strike="noStrike">
+                <a:solidFill>
+                  <a:srgbClr val="080808"/>
+                </a:solidFill>
+                <a:latin typeface="JetBrains Mono"/>
+                <a:ea typeface="JetBrains Mono"/>
+              </a:rPr>
+              <a:t>	</a:t>
+            </a:r>
+            <a:r>
+              <a:rPr b="0" lang="en-US" sz="1400" spc="-1" strike="noStrike">
+                <a:solidFill>
+                  <a:srgbClr val="080808"/>
+                </a:solidFill>
+                <a:latin typeface="JetBrains Mono"/>
+                <a:ea typeface="JetBrains Mono"/>
+              </a:rPr>
+              <a:t>	</a:t>
+            </a:r>
+            <a:r>
+              <a:rPr b="0" lang="en-US" sz="1400" spc="-1" strike="noStrike">
+                <a:solidFill>
+                  <a:srgbClr val="080808"/>
+                </a:solidFill>
+                <a:latin typeface="JetBrains Mono"/>
+                <a:ea typeface="JetBrains Mono"/>
+              </a:rPr>
+              <a:t>    </a:t>
+            </a:r>
+            <a:r>
+              <a:rPr b="0" lang="en-US" sz="1400" spc="-1" strike="noStrike">
+                <a:solidFill>
+                  <a:srgbClr val="0033b3"/>
+                </a:solidFill>
+                <a:latin typeface="JetBrains Mono"/>
+                <a:ea typeface="JetBrains Mono"/>
+              </a:rPr>
+              <a:t>case </a:t>
+            </a:r>
+            <a:r>
+              <a:rPr b="0" lang="en-US" sz="1400" spc="-1" strike="noStrike">
+                <a:solidFill>
+                  <a:srgbClr val="1750eb"/>
+                </a:solidFill>
+                <a:latin typeface="JetBrains Mono"/>
+                <a:ea typeface="JetBrains Mono"/>
+              </a:rPr>
+              <a:t>4</a:t>
+            </a:r>
+            <a:r>
+              <a:rPr b="0" lang="en-US" sz="1400" spc="-1" strike="noStrike">
+                <a:solidFill>
+                  <a:srgbClr val="080808"/>
+                </a:solidFill>
+                <a:latin typeface="JetBrains Mono"/>
+                <a:ea typeface="JetBrains Mono"/>
+              </a:rPr>
+              <a:t>:</a:t>
+            </a:r>
+            <a:br/>
+            <a:r>
+              <a:rPr b="0" lang="en-US" sz="1400" spc="-1" strike="noStrike">
+                <a:solidFill>
+                  <a:srgbClr val="080808"/>
+                </a:solidFill>
+                <a:latin typeface="JetBrains Mono"/>
+                <a:ea typeface="JetBrains Mono"/>
+              </a:rPr>
+              <a:t>	</a:t>
+            </a:r>
+            <a:r>
+              <a:rPr b="0" lang="en-US" sz="1400" spc="-1" strike="noStrike">
+                <a:solidFill>
+                  <a:srgbClr val="080808"/>
+                </a:solidFill>
+                <a:latin typeface="JetBrains Mono"/>
+                <a:ea typeface="JetBrains Mono"/>
+              </a:rPr>
+              <a:t>	</a:t>
+            </a:r>
+            <a:r>
+              <a:rPr b="0" lang="en-US" sz="1400" spc="-1" strike="noStrike">
+                <a:solidFill>
+                  <a:srgbClr val="080808"/>
+                </a:solidFill>
+                <a:latin typeface="JetBrains Mono"/>
+                <a:ea typeface="JetBrains Mono"/>
+              </a:rPr>
+              <a:t>    </a:t>
+            </a:r>
+            <a:r>
+              <a:rPr b="0" lang="en-US" sz="1400" spc="-1" strike="noStrike">
+                <a:solidFill>
+                  <a:srgbClr val="0033b3"/>
+                </a:solidFill>
+                <a:latin typeface="JetBrains Mono"/>
+                <a:ea typeface="JetBrains Mono"/>
+              </a:rPr>
+              <a:t>case </a:t>
+            </a:r>
+            <a:r>
+              <a:rPr b="0" lang="en-US" sz="1400" spc="-1" strike="noStrike">
+                <a:solidFill>
+                  <a:srgbClr val="1750eb"/>
+                </a:solidFill>
+                <a:latin typeface="JetBrains Mono"/>
+                <a:ea typeface="JetBrains Mono"/>
+              </a:rPr>
+              <a:t>5</a:t>
+            </a:r>
+            <a:r>
+              <a:rPr b="0" lang="en-US" sz="1400" spc="-1" strike="noStrike">
+                <a:solidFill>
+                  <a:srgbClr val="080808"/>
+                </a:solidFill>
+                <a:latin typeface="JetBrains Mono"/>
+                <a:ea typeface="JetBrains Mono"/>
+              </a:rPr>
+              <a:t>:</a:t>
+            </a:r>
+            <a:br/>
+            <a:r>
+              <a:rPr b="0" lang="en-US" sz="1400" spc="-1" strike="noStrike">
+                <a:solidFill>
+                  <a:srgbClr val="080808"/>
+                </a:solidFill>
+                <a:latin typeface="JetBrains Mono"/>
+                <a:ea typeface="JetBrains Mono"/>
+              </a:rPr>
+              <a:t>	</a:t>
+            </a:r>
+            <a:r>
+              <a:rPr b="0" lang="en-US" sz="1400" spc="-1" strike="noStrike">
+                <a:solidFill>
+                  <a:srgbClr val="080808"/>
+                </a:solidFill>
+                <a:latin typeface="JetBrains Mono"/>
+                <a:ea typeface="JetBrains Mono"/>
+              </a:rPr>
+              <a:t>	</a:t>
+            </a:r>
+            <a:r>
+              <a:rPr b="0" lang="en-US" sz="1400" spc="-1" strike="noStrike">
+                <a:solidFill>
+                  <a:srgbClr val="080808"/>
+                </a:solidFill>
+                <a:latin typeface="JetBrains Mono"/>
+                <a:ea typeface="JetBrains Mono"/>
+              </a:rPr>
+              <a:t>        season = </a:t>
             </a:r>
             <a:r>
               <a:rPr b="0" lang="en-US" sz="1400" spc="-1" strike="noStrike">
@@ -10639,7 +9420,7 @@
                 <a:latin typeface="JetBrains Mono"/>
                 <a:ea typeface="JetBrains Mono"/>
               </a:rPr>
-              <a:t>"зима"</a:t>
+              <a:t>"весна"</a:t>
             </a:r>
             <a:r>
               <a:rPr b="0" lang="en-US" sz="1400" spc="-1" strike="noStrike">
@@ -10680,7 +9461,7 @@
                 <a:latin typeface="JetBrains Mono"/>
                 <a:ea typeface="JetBrains Mono"/>
               </a:rPr>
-              <a:t>        </a:t>
+              <a:t>    </a:t>
             </a:r>
             <a:r>
               <a:rPr b="0" lang="en-US" sz="1400" spc="-1" strike="noStrike">
@@ -10690,17 +9471,27 @@
                 <a:latin typeface="JetBrains Mono"/>
                 <a:ea typeface="JetBrains Mono"/>
               </a:rPr>
-              <a:t>break</a:t>
-            </a:r>
-            <a:r>
-              <a:rPr b="0" lang="en-US" sz="1400" spc="-1" strike="noStrike">
-                <a:solidFill>
-                  <a:srgbClr val="080808"/>
-                </a:solidFill>
-                <a:latin typeface="JetBrains Mono"/>
-                <a:ea typeface="JetBrains Mono"/>
-              </a:rPr>
-              <a:t>;</a:t>
+              <a:t>case </a:t>
+            </a:r>
+            <a:r>
+              <a:rPr b="0" lang="en-US" sz="1400" spc="-1" strike="noStrike">
+                <a:solidFill>
+                  <a:srgbClr val="1750eb"/>
+                </a:solidFill>
+                <a:latin typeface="JetBrains Mono"/>
+                <a:ea typeface="JetBrains Mono"/>
+              </a:rPr>
+              <a:t>6</a:t>
+            </a:r>
+            <a:r>
+              <a:rPr b="0" lang="en-US" sz="1400" spc="-1" strike="noStrike">
+                <a:solidFill>
+                  <a:srgbClr val="080808"/>
+                </a:solidFill>
+                <a:latin typeface="JetBrains Mono"/>
+                <a:ea typeface="JetBrains Mono"/>
+              </a:rPr>
+              <a:t>:</a:t>
             </a:r>
             <a:br/>
             <a:r>
@@ -10751,7 +9542,7 @@
                 <a:latin typeface="JetBrains Mono"/>
                 <a:ea typeface="JetBrains Mono"/>
               </a:rPr>
-              <a:t>3</a:t>
+              <a:t>7</a:t>
             </a:r>
             <a:r>
               <a:rPr b="0" lang="en-US" sz="1400" spc="-1" strike="noStrike">
@@ -10812,7 +9603,7 @@
                 <a:latin typeface="JetBrains Mono"/>
                 <a:ea typeface="JetBrains Mono"/>
               </a:rPr>
-              <a:t>4</a:t>
+              <a:t>8</a:t>
             </a:r>
             <a:r>
               <a:rPr b="0" lang="en-US" sz="1400" spc="-1" strike="noStrike">
@@ -10853,322 +9644,7 @@
                 <a:latin typeface="JetBrains Mono"/>
                 <a:ea typeface="JetBrains Mono"/>
               </a:rPr>
-              <a:t>    </a:t>
-            </a:r>
-            <a:r>
-              <a:rPr b="0" lang="en-US" sz="1400" spc="-1" strike="noStrike">
-                <a:solidFill>
-                  <a:srgbClr val="0033b3"/>
-                </a:solidFill>
-                <a:latin typeface="JetBrains Mono"/>
-                <a:ea typeface="JetBrains Mono"/>
-              </a:rPr>
-              <a:t>case </a:t>
-            </a:r>
-            <a:r>
-              <a:rPr b="0" lang="en-US" sz="1400" spc="-1" strike="noStrike">
-                <a:solidFill>
-                  <a:srgbClr val="1750eb"/>
-                </a:solidFill>
-                <a:latin typeface="JetBrains Mono"/>
-                <a:ea typeface="JetBrains Mono"/>
-              </a:rPr>
-              <a:t>5</a:t>
-            </a:r>
-            <a:r>
-              <a:rPr b="0" lang="en-US" sz="1400" spc="-1" strike="noStrike">
-                <a:solidFill>
-                  <a:srgbClr val="080808"/>
-                </a:solidFill>
-                <a:latin typeface="JetBrains Mono"/>
-                <a:ea typeface="JetBrains Mono"/>
-              </a:rPr>
-              <a:t>:</a:t>
-            </a:r>
-            <a:br/>
-            <a:r>
-              <a:rPr b="0" lang="en-US" sz="1400" spc="-1" strike="noStrike">
-                <a:solidFill>
-                  <a:srgbClr val="080808"/>
-                </a:solidFill>
-                <a:latin typeface="JetBrains Mono"/>
-                <a:ea typeface="JetBrains Mono"/>
-              </a:rPr>
-              <a:t>	</a:t>
-            </a:r>
-            <a:r>
-              <a:rPr b="0" lang="en-US" sz="1400" spc="-1" strike="noStrike">
-                <a:solidFill>
-                  <a:srgbClr val="080808"/>
-                </a:solidFill>
-                <a:latin typeface="JetBrains Mono"/>
-                <a:ea typeface="JetBrains Mono"/>
-              </a:rPr>
-              <a:t>	</a:t>
-            </a:r>
-            <a:r>
-              <a:rPr b="0" lang="en-US" sz="1400" spc="-1" strike="noStrike">
-                <a:solidFill>
-                  <a:srgbClr val="080808"/>
-                </a:solidFill>
-                <a:latin typeface="JetBrains Mono"/>
-                <a:ea typeface="JetBrains Mono"/>
-              </a:rPr>
-              <a:t>        </a:t>
-            </a:r>
-            <a:r>
-              <a:rPr b="0" lang="en-US" sz="1400" spc="-1" strike="noStrike">
-                <a:solidFill>
-                  <a:srgbClr val="080808"/>
-                </a:solidFill>
-                <a:latin typeface="JetBrains Mono"/>
-                <a:ea typeface="JetBrains Mono"/>
-              </a:rPr>
-              <a:t>season = </a:t>
-            </a:r>
-            <a:r>
-              <a:rPr b="0" lang="en-US" sz="1400" spc="-1" strike="noStrike">
-                <a:solidFill>
-                  <a:srgbClr val="067d17"/>
-                </a:solidFill>
-                <a:latin typeface="JetBrains Mono"/>
-                <a:ea typeface="JetBrains Mono"/>
-              </a:rPr>
-              <a:t>"весна"</a:t>
-            </a:r>
-            <a:r>
-              <a:rPr b="0" lang="en-US" sz="1400" spc="-1" strike="noStrike">
-                <a:solidFill>
-                  <a:srgbClr val="080808"/>
-                </a:solidFill>
-                <a:latin typeface="JetBrains Mono"/>
-                <a:ea typeface="JetBrains Mono"/>
-              </a:rPr>
-              <a:t>;</a:t>
-            </a:r>
-            <a:br/>
-            <a:r>
-              <a:rPr b="0" lang="en-US" sz="1400" spc="-1" strike="noStrike">
-                <a:solidFill>
-                  <a:srgbClr val="080808"/>
-                </a:solidFill>
-                <a:latin typeface="JetBrains Mono"/>
-                <a:ea typeface="JetBrains Mono"/>
-              </a:rPr>
-              <a:t>	</a:t>
-            </a:r>
-            <a:r>
-              <a:rPr b="0" lang="en-US" sz="1400" spc="-1" strike="noStrike">
-                <a:solidFill>
-                  <a:srgbClr val="080808"/>
-                </a:solidFill>
-                <a:latin typeface="JetBrains Mono"/>
-                <a:ea typeface="JetBrains Mono"/>
-              </a:rPr>
-              <a:t>	</a:t>
-            </a:r>
-            <a:r>
-              <a:rPr b="0" lang="en-US" sz="1400" spc="-1" strike="noStrike">
-                <a:solidFill>
-                  <a:srgbClr val="080808"/>
-                </a:solidFill>
-                <a:latin typeface="JetBrains Mono"/>
-                <a:ea typeface="JetBrains Mono"/>
-              </a:rPr>
-              <a:t>    </a:t>
-            </a:r>
-            <a:r>
-              <a:rPr b="0" lang="en-US" sz="1400" spc="-1" strike="noStrike">
-                <a:solidFill>
-                  <a:srgbClr val="0033b3"/>
-                </a:solidFill>
-                <a:latin typeface="JetBrains Mono"/>
-                <a:ea typeface="JetBrains Mono"/>
-              </a:rPr>
-              <a:t>case </a:t>
-            </a:r>
-            <a:r>
-              <a:rPr b="0" lang="en-US" sz="1400" spc="-1" strike="noStrike">
-                <a:solidFill>
-                  <a:srgbClr val="1750eb"/>
-                </a:solidFill>
-                <a:latin typeface="JetBrains Mono"/>
-                <a:ea typeface="JetBrains Mono"/>
-              </a:rPr>
-              <a:t>6</a:t>
-            </a:r>
-            <a:r>
-              <a:rPr b="0" lang="en-US" sz="1400" spc="-1" strike="noStrike">
-                <a:solidFill>
-                  <a:srgbClr val="080808"/>
-                </a:solidFill>
-                <a:latin typeface="JetBrains Mono"/>
-                <a:ea typeface="JetBrains Mono"/>
-              </a:rPr>
-              <a:t>:</a:t>
-            </a:r>
-            <a:br/>
-            <a:r>
-              <a:rPr b="0" lang="en-US" sz="1400" spc="-1" strike="noStrike">
-                <a:solidFill>
-                  <a:srgbClr val="080808"/>
-                </a:solidFill>
-                <a:latin typeface="JetBrains Mono"/>
-                <a:ea typeface="JetBrains Mono"/>
-              </a:rPr>
-              <a:t>	</a:t>
-            </a:r>
-            <a:r>
-              <a:rPr b="0" lang="en-US" sz="1400" spc="-1" strike="noStrike">
-                <a:solidFill>
-                  <a:srgbClr val="080808"/>
-                </a:solidFill>
-                <a:latin typeface="JetBrains Mono"/>
-                <a:ea typeface="JetBrains Mono"/>
-              </a:rPr>
-              <a:t>	</a:t>
-            </a:r>
-            <a:r>
-              <a:rPr b="0" lang="en-US" sz="1400" spc="-1" strike="noStrike">
-                <a:solidFill>
-                  <a:srgbClr val="080808"/>
-                </a:solidFill>
-                <a:latin typeface="JetBrains Mono"/>
-                <a:ea typeface="JetBrains Mono"/>
-              </a:rPr>
-              <a:t>    </a:t>
-            </a:r>
-            <a:r>
-              <a:rPr b="0" lang="en-US" sz="1400" spc="-1" strike="noStrike">
-                <a:solidFill>
-                  <a:srgbClr val="0033b3"/>
-                </a:solidFill>
-                <a:latin typeface="JetBrains Mono"/>
-                <a:ea typeface="JetBrains Mono"/>
-              </a:rPr>
-              <a:t>case </a:t>
-            </a:r>
-            <a:r>
-              <a:rPr b="0" lang="en-US" sz="1400" spc="-1" strike="noStrike">
-                <a:solidFill>
-                  <a:srgbClr val="1750eb"/>
-                </a:solidFill>
-                <a:latin typeface="JetBrains Mono"/>
-                <a:ea typeface="JetBrains Mono"/>
-              </a:rPr>
-              <a:t>7</a:t>
-            </a:r>
-            <a:r>
-              <a:rPr b="0" lang="en-US" sz="1400" spc="-1" strike="noStrike">
-                <a:solidFill>
-                  <a:srgbClr val="080808"/>
-                </a:solidFill>
-                <a:latin typeface="JetBrains Mono"/>
-                <a:ea typeface="JetBrains Mono"/>
-              </a:rPr>
-              <a:t>:</a:t>
-            </a:r>
-            <a:br/>
-            <a:r>
-              <a:rPr b="0" lang="en-US" sz="1400" spc="-1" strike="noStrike">
-                <a:solidFill>
-                  <a:srgbClr val="080808"/>
-                </a:solidFill>
-                <a:latin typeface="JetBrains Mono"/>
-                <a:ea typeface="JetBrains Mono"/>
-              </a:rPr>
-              <a:t>	</a:t>
-            </a:r>
-            <a:r>
-              <a:rPr b="0" lang="en-US" sz="1400" spc="-1" strike="noStrike">
-                <a:solidFill>
-                  <a:srgbClr val="080808"/>
-                </a:solidFill>
-                <a:latin typeface="JetBrains Mono"/>
-                <a:ea typeface="JetBrains Mono"/>
-              </a:rPr>
-              <a:t>	</a:t>
-            </a:r>
-            <a:r>
-              <a:rPr b="0" lang="en-US" sz="1400" spc="-1" strike="noStrike">
-                <a:solidFill>
-                  <a:srgbClr val="080808"/>
-                </a:solidFill>
-                <a:latin typeface="JetBrains Mono"/>
-                <a:ea typeface="JetBrains Mono"/>
-              </a:rPr>
-              <a:t>    </a:t>
-            </a:r>
-            <a:r>
-              <a:rPr b="0" lang="en-US" sz="1400" spc="-1" strike="noStrike">
-                <a:solidFill>
-                  <a:srgbClr val="0033b3"/>
-                </a:solidFill>
-                <a:latin typeface="JetBrains Mono"/>
-                <a:ea typeface="JetBrains Mono"/>
-              </a:rPr>
-              <a:t>case </a:t>
-            </a:r>
-            <a:r>
-              <a:rPr b="0" lang="en-US" sz="1400" spc="-1" strike="noStrike">
-                <a:solidFill>
-                  <a:srgbClr val="1750eb"/>
-                </a:solidFill>
-                <a:latin typeface="JetBrains Mono"/>
-                <a:ea typeface="JetBrains Mono"/>
-              </a:rPr>
-              <a:t>8</a:t>
-            </a:r>
-            <a:r>
-              <a:rPr b="0" lang="en-US" sz="1400" spc="-1" strike="noStrike">
-                <a:solidFill>
-                  <a:srgbClr val="080808"/>
-                </a:solidFill>
-                <a:latin typeface="JetBrains Mono"/>
-                <a:ea typeface="JetBrains Mono"/>
-              </a:rPr>
-              <a:t>:</a:t>
-            </a:r>
-            <a:br/>
-            <a:r>
-              <a:rPr b="0" lang="en-US" sz="1400" spc="-1" strike="noStrike">
-                <a:solidFill>
-                  <a:srgbClr val="080808"/>
-                </a:solidFill>
-                <a:latin typeface="JetBrains Mono"/>
-                <a:ea typeface="JetBrains Mono"/>
-              </a:rPr>
-              <a:t>	</a:t>
-            </a:r>
-            <a:r>
-              <a:rPr b="0" lang="en-US" sz="1400" spc="-1" strike="noStrike">
-                <a:solidFill>
-                  <a:srgbClr val="080808"/>
-                </a:solidFill>
-                <a:latin typeface="JetBrains Mono"/>
-                <a:ea typeface="JetBrains Mono"/>
-              </a:rPr>
-              <a:t>	</a:t>
-            </a:r>
-            <a:r>
-              <a:rPr b="0" lang="en-US" sz="1400" spc="-1" strike="noStrike">
-                <a:solidFill>
-                  <a:srgbClr val="080808"/>
-                </a:solidFill>
-                <a:latin typeface="JetBrains Mono"/>
-                <a:ea typeface="JetBrains Mono"/>
-              </a:rPr>
-              <a:t>        </a:t>
-            </a:r>
-            <a:r>
-              <a:rPr b="0" lang="en-US" sz="1400" spc="-1" strike="noStrike">
-                <a:solidFill>
-                  <a:srgbClr val="080808"/>
-                </a:solidFill>
-                <a:latin typeface="JetBrains Mono"/>
-                <a:ea typeface="JetBrains Mono"/>
-              </a:rPr>
-              <a:t>season = </a:t>
+              <a:t>        season = </a:t>
             </a:r>
             <a:r>
               <a:rPr b="0" lang="en-US" sz="1400" spc="-1" strike="noStrike">
@@ -11229,14 +9705,14 @@
       </p:sp>
       <p:sp>
         <p:nvSpPr>
-          <p:cNvPr id="97" name="CustomShape 3"/>
+          <p:cNvPr id="59" name="CustomShape 3"/>
           <p:cNvSpPr/>
           <p:nvPr/>
         </p:nvSpPr>
         <p:spPr>
           <a:xfrm>
-            <a:off x="3811680" y="3618720"/>
-            <a:ext cx="5152320" cy="2861280"/>
+            <a:off x="3811680" y="3558240"/>
+            <a:ext cx="5151960" cy="2982240"/>
           </a:xfrm>
           <a:prstGeom prst="rect">
             <a:avLst/>
@@ -11759,17 +10235,7 @@
                 <a:latin typeface="JetBrains Mono"/>
                 <a:ea typeface="JetBrains Mono"/>
               </a:rPr>
-              <a:t>+ </a:t>
-            </a:r>
-            <a:r>
-              <a:rPr b="0" lang="en-US" sz="1400" spc="-1" strike="noStrike">
-                <a:solidFill>
-                  <a:srgbClr val="080808"/>
-                </a:solidFill>
-                <a:latin typeface="JetBrains Mono"/>
-                <a:ea typeface="JetBrains Mono"/>
-              </a:rPr>
-              <a:t>season);</a:t>
+              <a:t>+ season);</a:t>
             </a:r>
             <a:endParaRPr b="0" lang="ru-RU" sz="1400" spc="-1" strike="noStrike">
               <a:latin typeface="Arial"/>
@@ -11865,14 +10331,14 @@
       </p:grpSpPr>
       <p:sp>
         <p:nvSpPr>
-          <p:cNvPr id="98" name="CustomShape 1"/>
+          <p:cNvPr id="60" name="CustomShape 1"/>
           <p:cNvSpPr/>
           <p:nvPr/>
         </p:nvSpPr>
         <p:spPr>
           <a:xfrm>
             <a:off x="457200" y="274680"/>
-            <a:ext cx="8228880" cy="715320"/>
+            <a:ext cx="8228520" cy="714960"/>
           </a:xfrm>
           <a:prstGeom prst="rect">
             <a:avLst/>
@@ -11916,14 +10382,14 @@
       </p:sp>
       <p:sp>
         <p:nvSpPr>
-          <p:cNvPr id="99" name="CustomShape 2"/>
+          <p:cNvPr id="61" name="CustomShape 2"/>
           <p:cNvSpPr/>
           <p:nvPr/>
         </p:nvSpPr>
         <p:spPr>
           <a:xfrm>
             <a:off x="914400" y="1219320"/>
-            <a:ext cx="7314480" cy="4799880"/>
+            <a:ext cx="7314120" cy="4799520"/>
           </a:xfrm>
           <a:prstGeom prst="rect">
             <a:avLst/>
@@ -11944,7 +10410,7 @@
             <a:noAutofit/>
           </a:bodyPr>
           <a:p>
-            <a:pPr marL="285840" indent="-285120">
+            <a:pPr marL="285840" indent="-284760">
               <a:lnSpc>
                 <a:spcPct val="100000"/>
               </a:lnSpc>
@@ -11961,6 +10427,7 @@
                   <a:srgbClr val="000000"/>
                 </a:solidFill>
                 <a:latin typeface="Arial"/>
+                <a:ea typeface="DejaVu Sans"/>
               </a:rPr>
               <a:t>Циклы:</a:t>
             </a:r>
@@ -11969,7 +10436,7 @@
             </a:endParaRPr>
           </a:p>
           <a:p>
-            <a:pPr marL="285840" indent="-285120">
+            <a:pPr marL="285840" indent="-284760">
               <a:lnSpc>
                 <a:spcPct val="100000"/>
               </a:lnSpc>
@@ -11985,7 +10452,7 @@
             </a:endParaRPr>
           </a:p>
           <a:p>
-            <a:pPr marL="285840" indent="-285120" algn="just">
+            <a:pPr marL="285840" indent="-284760" algn="just">
               <a:lnSpc>
                 <a:spcPct val="100000"/>
               </a:lnSpc>
@@ -12002,6 +10469,7 @@
                   <a:srgbClr val="000000"/>
                 </a:solidFill>
                 <a:latin typeface="Arial"/>
+                <a:ea typeface="DejaVu Sans"/>
               </a:rPr>
               <a:t>Циклы выполняются, пока  булевское выражение </a:t>
             </a:r>
@@ -12011,6 +10479,7 @@
                   <a:srgbClr val="000000"/>
                 </a:solidFill>
                 <a:latin typeface="Arial"/>
+                <a:ea typeface="DejaVu Sans"/>
               </a:rPr>
               <a:t>boolexp</a:t>
             </a:r>
@@ -12020,6 +10489,7 @@
                   <a:srgbClr val="000000"/>
                 </a:solidFill>
                 <a:latin typeface="Arial"/>
+                <a:ea typeface="DejaVu Sans"/>
               </a:rPr>
               <a:t> равно </a:t>
             </a:r>
@@ -12029,6 +10499,7 @@
                   <a:srgbClr val="6b0d0d"/>
                 </a:solidFill>
                 <a:latin typeface="Arial"/>
+                <a:ea typeface="DejaVu Sans"/>
               </a:rPr>
               <a:t>true</a:t>
             </a:r>
@@ -12038,6 +10509,7 @@
                   <a:srgbClr val="000000"/>
                 </a:solidFill>
                 <a:latin typeface="Arial"/>
+                <a:ea typeface="DejaVu Sans"/>
               </a:rPr>
               <a:t>. </a:t>
             </a:r>
@@ -12046,7 +10518,7 @@
             </a:endParaRPr>
           </a:p>
           <a:p>
-            <a:pPr marL="285840" indent="-285120" algn="just">
+            <a:pPr marL="285840" indent="-284760" algn="just">
               <a:lnSpc>
                 <a:spcPct val="100000"/>
               </a:lnSpc>
@@ -12062,7 +10534,7 @@
             </a:endParaRPr>
           </a:p>
           <a:p>
-            <a:pPr marL="285840" indent="-285120" algn="just">
+            <a:pPr marL="285840" indent="-284760" algn="just">
               <a:lnSpc>
                 <a:spcPct val="100000"/>
               </a:lnSpc>
@@ -12079,6 +10551,7 @@
                   <a:srgbClr val="000000"/>
                 </a:solidFill>
                 <a:latin typeface="Arial"/>
+                <a:ea typeface="DejaVu Sans"/>
               </a:rPr>
               <a:t>Оператор прерывания цикла </a:t>
             </a:r>
@@ -12088,6 +10561,7 @@
                   <a:srgbClr val="6b0d0d"/>
                 </a:solidFill>
                 <a:latin typeface="Arial"/>
+                <a:ea typeface="DejaVu Sans"/>
               </a:rPr>
               <a:t>break</a:t>
             </a:r>
@@ -12097,6 +10571,7 @@
                   <a:srgbClr val="000000"/>
                 </a:solidFill>
                 <a:latin typeface="Arial"/>
+                <a:ea typeface="DejaVu Sans"/>
               </a:rPr>
               <a:t> и оператор прерывания итерации цикла </a:t>
             </a:r>
@@ -12106,6 +10581,7 @@
                   <a:srgbClr val="6b0d0d"/>
                 </a:solidFill>
                 <a:latin typeface="Arial"/>
+                <a:ea typeface="DejaVu Sans"/>
               </a:rPr>
               <a:t>continue</a:t>
             </a:r>
@@ -12115,6 +10591,7 @@
                   <a:srgbClr val="000000"/>
                 </a:solidFill>
                 <a:latin typeface="Arial"/>
+                <a:ea typeface="DejaVu Sans"/>
               </a:rPr>
               <a:t>,  можно использовать с меткой, для обеспечения выхода из вложенных циклов.</a:t>
             </a:r>
@@ -12123,7 +10600,7 @@
             </a:endParaRPr>
           </a:p>
           <a:p>
-            <a:pPr marL="285840" indent="-285120">
+            <a:pPr marL="285840" indent="-284760">
               <a:lnSpc>
                 <a:spcPct val="100000"/>
               </a:lnSpc>
@@ -12142,14 +10619,14 @@
       </p:sp>
       <p:sp>
         <p:nvSpPr>
-          <p:cNvPr id="100" name="CustomShape 3"/>
+          <p:cNvPr id="62" name="CustomShape 3"/>
           <p:cNvSpPr/>
           <p:nvPr/>
         </p:nvSpPr>
         <p:spPr>
           <a:xfrm>
             <a:off x="1857240" y="3992760"/>
-            <a:ext cx="5928480" cy="1488600"/>
+            <a:ext cx="5928120" cy="1488240"/>
           </a:xfrm>
           <a:prstGeom prst="rect">
             <a:avLst/>
@@ -12617,14 +11094,14 @@
       </p:grpSpPr>
       <p:sp>
         <p:nvSpPr>
-          <p:cNvPr id="101" name="CustomShape 1"/>
+          <p:cNvPr id="63" name="CustomShape 1"/>
           <p:cNvSpPr/>
           <p:nvPr/>
         </p:nvSpPr>
         <p:spPr>
           <a:xfrm>
             <a:off x="457200" y="274680"/>
-            <a:ext cx="8228880" cy="715320"/>
+            <a:ext cx="8228520" cy="714960"/>
           </a:xfrm>
           <a:prstGeom prst="rect">
             <a:avLst/>
@@ -12689,14 +11166,14 @@
       </p:sp>
       <p:sp>
         <p:nvSpPr>
-          <p:cNvPr id="102" name="CustomShape 2"/>
+          <p:cNvPr id="64" name="CustomShape 2"/>
           <p:cNvSpPr/>
           <p:nvPr/>
         </p:nvSpPr>
         <p:spPr>
           <a:xfrm>
             <a:off x="827280" y="1989000"/>
-            <a:ext cx="7777080" cy="630720"/>
+            <a:ext cx="7776720" cy="630360"/>
           </a:xfrm>
           <a:custGeom>
             <a:avLst/>
@@ -12859,14 +11336,14 @@
       </p:sp>
       <p:sp>
         <p:nvSpPr>
-          <p:cNvPr id="103" name="CustomShape 3"/>
+          <p:cNvPr id="65" name="CustomShape 3"/>
           <p:cNvSpPr/>
           <p:nvPr/>
         </p:nvSpPr>
         <p:spPr>
           <a:xfrm>
             <a:off x="827280" y="3357720"/>
-            <a:ext cx="7777080" cy="1602720"/>
+            <a:ext cx="7776720" cy="1602360"/>
           </a:xfrm>
           <a:custGeom>
             <a:avLst/>
@@ -13120,14 +11597,14 @@
       </p:sp>
       <p:sp>
         <p:nvSpPr>
-          <p:cNvPr id="104" name="CustomShape 4"/>
+          <p:cNvPr id="66" name="CustomShape 4"/>
           <p:cNvSpPr/>
           <p:nvPr/>
         </p:nvSpPr>
         <p:spPr>
           <a:xfrm>
             <a:off x="5152320" y="5108040"/>
-            <a:ext cx="3487320" cy="291600"/>
+            <a:ext cx="3486960" cy="291240"/>
           </a:xfrm>
           <a:prstGeom prst="rect">
             <a:avLst/>
@@ -13406,230 +11883,4 @@
     </a:fmtScheme>
   </a:themeElements>
 </a:theme>
-</file>
-
-<file path=ppt/theme/theme2.xml><?xml version="1.0" encoding="utf-8"?>
-<a:theme xmlns:a="http://schemas.openxmlformats.org/drawingml/2006/main" name="Office Theme">
-  <a:themeElements>
-    <a:clrScheme name="Office">
-      <a:dk1>
-        <a:sysClr val="windowText" lastClr="000000"/>
-      </a:dk1>
-      <a:lt1>
-        <a:sysClr val="window" lastClr="FFFFFF"/>
-      </a:lt1>
-      <a:dk2>
-        <a:srgbClr val="1f497d"/>
-      </a:dk2>
-      <a:lt2>
-        <a:srgbClr val="eeece1"/>
-      </a:lt2>
-      <a:accent1>
-        <a:srgbClr val="4f81bd"/>
-      </a:accent1>
-      <a:accent2>
-        <a:srgbClr val="c0504d"/>
-      </a:accent2>
-      <a:accent3>
-        <a:srgbClr val="9bbb59"/>
-      </a:accent3>
-      <a:accent4>
-        <a:srgbClr val="8064a2"/>
-      </a:accent4>
-      <a:accent5>
-        <a:srgbClr val="4bacc6"/>
-      </a:accent5>
-      <a:accent6>
-        <a:srgbClr val="f79646"/>
-      </a:accent6>
-      <a:hlink>
-        <a:srgbClr val="0000ff"/>
-      </a:hlink>
-      <a:folHlink>
-        <a:srgbClr val="800080"/>
-      </a:folHlink>
-    </a:clrScheme>
-    <a:fontScheme name="Office">
-      <a:majorFont>
-        <a:latin typeface="Arial"/>
-        <a:ea typeface="DejaVu Sans"/>
-        <a:cs typeface="DejaVu Sans"/>
-      </a:majorFont>
-      <a:minorFont>
-        <a:latin typeface="Arial"/>
-        <a:ea typeface="DejaVu Sans"/>
-        <a:cs typeface="DejaVu Sans"/>
-      </a:minorFont>
-    </a:fontScheme>
-    <a:fmtScheme name="Office">
-      <a:fillStyleLst>
-        <a:solidFill>
-          <a:schemeClr val="phClr"/>
-        </a:solidFill>
-        <a:gradFill rotWithShape="1">
-          <a:gsLst>
-            <a:gs pos="0">
-              <a:schemeClr val="phClr">
-                <a:tint val="50000"/>
-                <a:satMod val="300000"/>
-              </a:schemeClr>
-            </a:gs>
-            <a:gs pos="35000">
-              <a:schemeClr val="phClr">
-                <a:tint val="37000"/>
-                <a:satMod val="300000"/>
-              </a:schemeClr>
-            </a:gs>
-            <a:gs pos="100000">
-              <a:schemeClr val="phClr">
-                <a:tint val="15000"/>
-                <a:satMod val="350000"/>
-              </a:schemeClr>
-            </a:gs>
-          </a:gsLst>
-          <a:lin ang="16200000" scaled="1"/>
-        </a:gradFill>
-        <a:gradFill rotWithShape="1">
-          <a:gsLst>
-            <a:gs pos="0">
-              <a:schemeClr val="phClr">
-                <a:shade val="51000"/>
-                <a:satMod val="130000"/>
-              </a:schemeClr>
-            </a:gs>
-            <a:gs pos="80000">
-              <a:schemeClr val="phClr">
-                <a:shade val="93000"/>
-                <a:satMod val="130000"/>
-              </a:schemeClr>
-            </a:gs>
-            <a:gs pos="100000">
-              <a:schemeClr val="phClr">
-                <a:shade val="94000"/>
-                <a:satMod val="135000"/>
-              </a:schemeClr>
-            </a:gs>
-          </a:gsLst>
-          <a:lin ang="16200000" scaled="0"/>
-        </a:gradFill>
-      </a:fillStyleLst>
-      <a:lnStyleLst>
-        <a:ln w="9525" cap="flat" cmpd="sng" algn="ctr">
-          <a:solidFill>
-            <a:schemeClr val="phClr">
-              <a:shade val="95000"/>
-              <a:satMod val="105000"/>
-            </a:schemeClr>
-          </a:solidFill>
-          <a:prstDash val="solid"/>
-          <a:miter/>
-        </a:ln>
-        <a:ln w="25400" cap="flat" cmpd="sng" algn="ctr">
-          <a:solidFill>
-            <a:schemeClr val="phClr"/>
-          </a:solidFill>
-          <a:prstDash val="solid"/>
-          <a:miter/>
-        </a:ln>
-        <a:ln w="38100" cap="flat" cmpd="sng" algn="ctr">
-          <a:solidFill>
-            <a:schemeClr val="phClr"/>
-          </a:solidFill>
-          <a:prstDash val="solid"/>
-          <a:miter/>
-        </a:ln>
-      </a:lnStyleLst>
-      <a:effectStyleLst>
-        <a:effectStyle>
-          <a:effectLst>
-            <a:outerShdw blurRad="40000" dist="20000" dir="5400000" rotWithShape="0">
-              <a:srgbClr val="000000">
-                <a:alpha val="38000"/>
-              </a:srgbClr>
-            </a:outerShdw>
-          </a:effectLst>
-        </a:effectStyle>
-        <a:effectStyle>
-          <a:effectLst>
-            <a:outerShdw blurRad="40000" dist="23000" dir="5400000" rotWithShape="0">
-              <a:srgbClr val="000000">
-                <a:alpha val="35000"/>
-              </a:srgbClr>
-            </a:outerShdw>
-          </a:effectLst>
-        </a:effectStyle>
-        <a:effectStyle>
-          <a:effectLst>
-            <a:outerShdw blurRad="40000" dist="23000" dir="5400000" rotWithShape="0">
-              <a:srgbClr val="000000">
-                <a:alpha val="35000"/>
-              </a:srgbClr>
-            </a:outerShdw>
-          </a:effectLst>
-          <a:scene3d>
-            <a:camera prst="orthographicFront">
-              <a:rot lat="0" lon="0" rev="0"/>
-            </a:camera>
-            <a:lightRig rig="threePt" dir="t">
-              <a:rot lat="0" lon="0" rev="1200000"/>
-            </a:lightRig>
-          </a:scene3d>
-          <a:sp3d>
-            <a:bevelT w="63500" h="25400"/>
-          </a:sp3d>
-        </a:effectStyle>
-      </a:effectStyleLst>
-      <a:bgFillStyleLst>
-        <a:solidFill>
-          <a:schemeClr val="phClr"/>
-        </a:solidFill>
-        <a:gradFill rotWithShape="1">
-          <a:gsLst>
-            <a:gs pos="0">
-              <a:schemeClr val="phClr">
-                <a:tint val="40000"/>
-                <a:satMod val="350000"/>
-              </a:schemeClr>
-            </a:gs>
-            <a:gs pos="40000">
-              <a:schemeClr val="phClr">
-                <a:tint val="45000"/>
-                <a:shade val="99000"/>
-                <a:satMod val="350000"/>
-              </a:schemeClr>
-            </a:gs>
-            <a:gs pos="100000">
-              <a:schemeClr val="phClr">
-                <a:shade val="20000"/>
-                <a:satMod val="255000"/>
-              </a:schemeClr>
-            </a:gs>
-          </a:gsLst>
-          <a:path path="circle">
-            <a:fillToRect l="50000" t="-80000" r="50000" b="180000"/>
-          </a:path>
-        </a:gradFill>
-        <a:gradFill rotWithShape="1">
-          <a:gsLst>
-            <a:gs pos="0">
-              <a:schemeClr val="phClr">
-                <a:tint val="80000"/>
-                <a:satMod val="300000"/>
-              </a:schemeClr>
-            </a:gs>
-            <a:gs pos="100000">
-              <a:schemeClr val="phClr">
-                <a:shade val="30000"/>
-                <a:satMod val="200000"/>
-              </a:schemeClr>
-            </a:gs>
-          </a:gsLst>
-          <a:path path="circle">
-            <a:fillToRect l="50000" t="50000" r="50000" b="50000"/>
-          </a:path>
-        </a:gradFill>
-      </a:bgFillStyleLst>
-    </a:fmtScheme>
-  </a:themeElements>
-</a:theme>
 </file>